--- a/TS2013_NodeJS_Novice_To_Ninja.pptx
+++ b/TS2013_NodeJS_Novice_To_Ninja.pptx
@@ -5,10 +5,10 @@
     <p:sldMasterId id="2147483648" r:id="rId4"/>
   </p:sldMasterIdLst>
   <p:notesMasterIdLst>
-    <p:notesMasterId r:id="rId31"/>
+    <p:notesMasterId r:id="rId30"/>
   </p:notesMasterIdLst>
   <p:handoutMasterIdLst>
-    <p:handoutMasterId r:id="rId32"/>
+    <p:handoutMasterId r:id="rId31"/>
   </p:handoutMasterIdLst>
   <p:sldIdLst>
     <p:sldId id="293" r:id="rId5"/>
@@ -24,19 +24,18 @@
     <p:sldId id="310" r:id="rId15"/>
     <p:sldId id="311" r:id="rId16"/>
     <p:sldId id="318" r:id="rId17"/>
-    <p:sldId id="312" r:id="rId18"/>
-    <p:sldId id="313" r:id="rId19"/>
-    <p:sldId id="314" r:id="rId20"/>
-    <p:sldId id="315" r:id="rId21"/>
-    <p:sldId id="316" r:id="rId22"/>
-    <p:sldId id="280" r:id="rId23"/>
-    <p:sldId id="303" r:id="rId24"/>
-    <p:sldId id="299" r:id="rId25"/>
-    <p:sldId id="300" r:id="rId26"/>
-    <p:sldId id="305" r:id="rId27"/>
-    <p:sldId id="307" r:id="rId28"/>
-    <p:sldId id="308" r:id="rId29"/>
-    <p:sldId id="304" r:id="rId30"/>
+    <p:sldId id="313" r:id="rId18"/>
+    <p:sldId id="314" r:id="rId19"/>
+    <p:sldId id="315" r:id="rId20"/>
+    <p:sldId id="316" r:id="rId21"/>
+    <p:sldId id="280" r:id="rId22"/>
+    <p:sldId id="303" r:id="rId23"/>
+    <p:sldId id="299" r:id="rId24"/>
+    <p:sldId id="300" r:id="rId25"/>
+    <p:sldId id="305" r:id="rId26"/>
+    <p:sldId id="307" r:id="rId27"/>
+    <p:sldId id="308" r:id="rId28"/>
+    <p:sldId id="304" r:id="rId29"/>
   </p:sldIdLst>
   <p:sldSz cx="16257588" cy="9144000"/>
   <p:notesSz cx="6858000" cy="9144000"/>
@@ -220,7 +219,7 @@
           <a:p>
             <a:fld id="{387C2776-B9DD-1946-9831-785CA23AC1F1}" type="datetime1">
               <a:rPr lang="en-US" smtClean="0"/>
-              <a:t>5/15/2013</a:t>
+              <a:t>5/17/2013</a:t>
             </a:fld>
             <a:endParaRPr lang="en-US" dirty="0"/>
           </a:p>
@@ -386,7 +385,7 @@
           <a:p>
             <a:fld id="{13A1C7DD-7A43-8947-A922-8561F0BA9BCC}" type="datetime1">
               <a:rPr lang="en-US" smtClean="0"/>
-              <a:t>5/15/2013</a:t>
+              <a:t>5/17/2013</a:t>
             </a:fld>
             <a:endParaRPr lang="en-US" dirty="0"/>
           </a:p>
@@ -1130,29 +1129,20 @@
           <a:lstStyle/>
           <a:p>
             <a:r>
-              <a:rPr lang="en-US" dirty="0" err="1" smtClean="0"/>
-              <a:t>npm</a:t>
-            </a:r>
-            <a:r>
-              <a:rPr lang="en-US" dirty="0" smtClean="0"/>
-              <a:t> start really good</a:t>
+              <a:rPr lang="en-US" dirty="0" smtClean="0"/>
+              <a:t>We start</a:t>
             </a:r>
             <a:r>
               <a:rPr lang="en-US" baseline="0" dirty="0" smtClean="0"/>
-              <a:t> for smoke test</a:t>
-            </a:r>
-          </a:p>
-          <a:p>
-            <a:endParaRPr lang="en-US" baseline="0" dirty="0" smtClean="0"/>
-          </a:p>
-          <a:p>
+              <a:t> from</a:t>
+            </a:r>
+            <a:r>
+              <a:rPr lang="en-US" dirty="0" smtClean="0"/>
+              <a:t> vanilla Ubuntu</a:t>
+            </a:r>
             <a:r>
               <a:rPr lang="en-US" baseline="0" dirty="0" smtClean="0"/>
-              <a:t>Remove </a:t>
-            </a:r>
-            <a:r>
-              <a:rPr lang="en-US" baseline="0" smtClean="0"/>
-              <a:t>the slide?</a:t>
+              <a:t> image</a:t>
             </a:r>
             <a:endParaRPr lang="en-US" dirty="0"/>
           </a:p>
@@ -1175,7 +1165,7 @@
           <a:p>
             <a:fld id="{73E9330B-B1DA-214B-A229-0CB8492B91A5}" type="slidenum">
               <a:rPr lang="en-US" smtClean="0"/>
-              <a:t>14</a:t>
+              <a:t>15</a:t>
             </a:fld>
             <a:endParaRPr lang="en-US" dirty="0"/>
           </a:p>
@@ -1184,7 +1174,7 @@
     </p:spTree>
     <p:extLst>
       <p:ext uri="{BB962C8B-B14F-4D97-AF65-F5344CB8AC3E}">
-        <p14:creationId xmlns:p14="http://schemas.microsoft.com/office/powerpoint/2010/main" val="2252061024"/>
+        <p14:creationId xmlns:p14="http://schemas.microsoft.com/office/powerpoint/2010/main" val="2894787376"/>
       </p:ext>
     </p:extLst>
   </p:cSld>
@@ -1240,20 +1230,33 @@
           <a:p>
             <a:r>
               <a:rPr lang="en-US" dirty="0" smtClean="0"/>
-              <a:t>We start</a:t>
+              <a:t>During</a:t>
             </a:r>
             <a:r>
               <a:rPr lang="en-US" baseline="0" dirty="0" smtClean="0"/>
-              <a:t> from</a:t>
-            </a:r>
-            <a:r>
-              <a:rPr lang="en-US" dirty="0" smtClean="0"/>
-              <a:t> vanilla Ubuntu</a:t>
+              <a:t> publish, we package each web service with all his dependencies both internal and external. This allow us to deploy in the cloud without access to </a:t>
+            </a:r>
+            <a:r>
+              <a:rPr lang="en-US" baseline="0" dirty="0" err="1" smtClean="0"/>
+              <a:t>autodesk</a:t>
             </a:r>
             <a:r>
               <a:rPr lang="en-US" baseline="0" dirty="0" smtClean="0"/>
-              <a:t> image</a:t>
-            </a:r>
+              <a:t> </a:t>
+            </a:r>
+            <a:r>
+              <a:rPr lang="en-US" baseline="0" dirty="0" err="1" smtClean="0"/>
+              <a:t>git</a:t>
+            </a:r>
+            <a:r>
+              <a:rPr lang="en-US" baseline="0" dirty="0" smtClean="0"/>
+              <a:t> server.</a:t>
+            </a:r>
+          </a:p>
+          <a:p>
+            <a:endParaRPr lang="en-US" baseline="0" dirty="0" smtClean="0"/>
+          </a:p>
+          <a:p>
             <a:endParaRPr lang="en-US" dirty="0"/>
           </a:p>
         </p:txBody>
@@ -1284,7 +1287,7 @@
     </p:spTree>
     <p:extLst>
       <p:ext uri="{BB962C8B-B14F-4D97-AF65-F5344CB8AC3E}">
-        <p14:creationId xmlns:p14="http://schemas.microsoft.com/office/powerpoint/2010/main" val="2894787376"/>
+        <p14:creationId xmlns:p14="http://schemas.microsoft.com/office/powerpoint/2010/main" val="82051352"/>
       </p:ext>
     </p:extLst>
   </p:cSld>
@@ -1338,36 +1341,36 @@
           <a:bodyPr/>
           <a:lstStyle/>
           <a:p>
-            <a:r>
-              <a:rPr lang="en-US" dirty="0" smtClean="0"/>
-              <a:t>During</a:t>
+            <a:pPr marL="0" marR="0" lvl="3" indent="0" algn="l" defTabSz="812810" rtl="0" eaLnBrk="1" fontAlgn="auto" latinLnBrk="0" hangingPunct="1">
+              <a:lnSpc>
+                <a:spcPct val="100000"/>
+              </a:lnSpc>
+              <a:spcBef>
+                <a:spcPts val="0"/>
+              </a:spcBef>
+              <a:spcAft>
+                <a:spcPts val="0"/>
+              </a:spcAft>
+              <a:buClrTx/>
+              <a:buSzTx/>
+              <a:buFontTx/>
+              <a:buNone/>
+              <a:tabLst/>
+              <a:defRPr/>
+            </a:pPr>
+            <a:r>
+              <a:rPr lang="en-US" dirty="0" smtClean="0"/>
+              <a:t>Deployment can override defaults</a:t>
             </a:r>
             <a:r>
               <a:rPr lang="en-US" baseline="0" dirty="0" smtClean="0"/>
-              <a:t> publish, we package each web service with all his dependencies both internal and external. This allow us to deploy in the cloud without access to </a:t>
+              <a:t>, chef generate a </a:t>
             </a:r>
             <a:r>
               <a:rPr lang="en-US" baseline="0" dirty="0" err="1" smtClean="0"/>
-              <a:t>autodesk</a:t>
-            </a:r>
-            <a:r>
-              <a:rPr lang="en-US" baseline="0" dirty="0" smtClean="0"/>
-              <a:t> </a:t>
-            </a:r>
-            <a:r>
-              <a:rPr lang="en-US" baseline="0" dirty="0" err="1" smtClean="0"/>
-              <a:t>git</a:t>
-            </a:r>
-            <a:r>
-              <a:rPr lang="en-US" baseline="0" dirty="0" smtClean="0"/>
-              <a:t> server.</a:t>
-            </a:r>
-          </a:p>
-          <a:p>
-            <a:endParaRPr lang="en-US" baseline="0" dirty="0" smtClean="0"/>
-          </a:p>
-          <a:p>
-            <a:endParaRPr lang="en-US" dirty="0"/>
+              <a:t>production.json</a:t>
+            </a:r>
+            <a:endParaRPr lang="en-US" dirty="0" smtClean="0"/>
           </a:p>
         </p:txBody>
       </p:sp>
@@ -1397,7 +1400,7 @@
     </p:spTree>
     <p:extLst>
       <p:ext uri="{BB962C8B-B14F-4D97-AF65-F5344CB8AC3E}">
-        <p14:creationId xmlns:p14="http://schemas.microsoft.com/office/powerpoint/2010/main" val="82051352"/>
+        <p14:creationId xmlns:p14="http://schemas.microsoft.com/office/powerpoint/2010/main" val="3217743312"/>
       </p:ext>
     </p:extLst>
   </p:cSld>
@@ -1451,36 +1454,7 @@
           <a:bodyPr/>
           <a:lstStyle/>
           <a:p>
-            <a:pPr marL="0" marR="0" lvl="3" indent="0" algn="l" defTabSz="812810" rtl="0" eaLnBrk="1" fontAlgn="auto" latinLnBrk="0" hangingPunct="1">
-              <a:lnSpc>
-                <a:spcPct val="100000"/>
-              </a:lnSpc>
-              <a:spcBef>
-                <a:spcPts val="0"/>
-              </a:spcBef>
-              <a:spcAft>
-                <a:spcPts val="0"/>
-              </a:spcAft>
-              <a:buClrTx/>
-              <a:buSzTx/>
-              <a:buFontTx/>
-              <a:buNone/>
-              <a:tabLst/>
-              <a:defRPr/>
-            </a:pPr>
-            <a:r>
-              <a:rPr lang="en-US" dirty="0" smtClean="0"/>
-              <a:t>Deployment can override defaults</a:t>
-            </a:r>
-            <a:r>
-              <a:rPr lang="en-US" baseline="0" dirty="0" smtClean="0"/>
-              <a:t>, chef generate a </a:t>
-            </a:r>
-            <a:r>
-              <a:rPr lang="en-US" baseline="0" dirty="0" err="1" smtClean="0"/>
-              <a:t>production.json</a:t>
-            </a:r>
-            <a:endParaRPr lang="en-US" dirty="0" smtClean="0"/>
+            <a:endParaRPr lang="en-US" dirty="0"/>
           </a:p>
         </p:txBody>
       </p:sp>
@@ -1501,91 +1475,7 @@
           <a:p>
             <a:fld id="{73E9330B-B1DA-214B-A229-0CB8492B91A5}" type="slidenum">
               <a:rPr lang="en-US" smtClean="0"/>
-              <a:t>18</a:t>
-            </a:fld>
-            <a:endParaRPr lang="en-US" dirty="0"/>
-          </a:p>
-        </p:txBody>
-      </p:sp>
-    </p:spTree>
-    <p:extLst>
-      <p:ext uri="{BB962C8B-B14F-4D97-AF65-F5344CB8AC3E}">
-        <p14:creationId xmlns:p14="http://schemas.microsoft.com/office/powerpoint/2010/main" val="3217743312"/>
-      </p:ext>
-    </p:extLst>
-  </p:cSld>
-  <p:clrMapOvr>
-    <a:masterClrMapping/>
-  </p:clrMapOvr>
-</p:notes>
-</file>
-
-<file path=ppt/notesSlides/notesSlide15.xml><?xml version="1.0" encoding="utf-8"?>
-<p:notes xmlns:a="http://schemas.openxmlformats.org/drawingml/2006/main" xmlns:r="http://schemas.openxmlformats.org/officeDocument/2006/relationships" xmlns:p="http://schemas.openxmlformats.org/presentationml/2006/main">
-  <p:cSld>
-    <p:spTree>
-      <p:nvGrpSpPr>
-        <p:cNvPr id="1" name=""/>
-        <p:cNvGrpSpPr/>
-        <p:nvPr/>
-      </p:nvGrpSpPr>
-      <p:grpSpPr>
-        <a:xfrm>
-          <a:off x="0" y="0"/>
-          <a:ext cx="0" cy="0"/>
-          <a:chOff x="0" y="0"/>
-          <a:chExt cx="0" cy="0"/>
-        </a:xfrm>
-      </p:grpSpPr>
-      <p:sp>
-        <p:nvSpPr>
-          <p:cNvPr id="2" name="Slide Image Placeholder 1"/>
-          <p:cNvSpPr>
-            <a:spLocks noGrp="1" noRot="1" noChangeAspect="1"/>
-          </p:cNvSpPr>
-          <p:nvPr>
-            <p:ph type="sldImg"/>
-          </p:nvPr>
-        </p:nvSpPr>
-        <p:spPr/>
-      </p:sp>
-      <p:sp>
-        <p:nvSpPr>
-          <p:cNvPr id="3" name="Notes Placeholder 2"/>
-          <p:cNvSpPr>
-            <a:spLocks noGrp="1"/>
-          </p:cNvSpPr>
-          <p:nvPr>
-            <p:ph type="body" idx="1"/>
-          </p:nvPr>
-        </p:nvSpPr>
-        <p:spPr/>
-        <p:txBody>
-          <a:bodyPr/>
-          <a:lstStyle/>
-          <a:p>
-            <a:endParaRPr lang="en-US" dirty="0"/>
-          </a:p>
-        </p:txBody>
-      </p:sp>
-      <p:sp>
-        <p:nvSpPr>
-          <p:cNvPr id="4" name="Slide Number Placeholder 3"/>
-          <p:cNvSpPr>
-            <a:spLocks noGrp="1"/>
-          </p:cNvSpPr>
-          <p:nvPr>
-            <p:ph type="sldNum" sz="quarter" idx="10"/>
-          </p:nvPr>
-        </p:nvSpPr>
-        <p:spPr/>
-        <p:txBody>
-          <a:bodyPr/>
-          <a:lstStyle/>
-          <a:p>
-            <a:fld id="{73E9330B-B1DA-214B-A229-0CB8492B91A5}" type="slidenum">
-              <a:rPr lang="en-US" smtClean="0"/>
-              <a:t>22</a:t>
+              <a:t>21</a:t>
             </a:fld>
             <a:endParaRPr lang="en-US" dirty="0"/>
           </a:p>
@@ -1684,7 +1574,6 @@
               <a:rPr lang="en-US" dirty="0" smtClean="0"/>
               <a:t>Node.js team took this C++ code and added other important libraries like TCP, HTTP and DNS to create Node.js</a:t>
             </a:r>
-            <a:endParaRPr lang="en-US" dirty="0" smtClean="0"/>
           </a:p>
           <a:p>
             <a:pPr marL="0" indent="0">
@@ -1791,7 +1680,6 @@
               <a:rPr lang="en-US" dirty="0" smtClean="0"/>
               <a:t>) and other C/C++ libraries that provide asynchronous I/O.</a:t>
             </a:r>
-            <a:endParaRPr lang="en-US" dirty="0" smtClean="0"/>
           </a:p>
           <a:p>
             <a:pPr marL="0" indent="0">
@@ -1951,7 +1839,6 @@
               <a:rPr lang="en-US" dirty="0" smtClean="0"/>
               <a:t>Node.js team took this C++ code and added other important libraries like TCP, HTTP and DNS to create Node.js</a:t>
             </a:r>
-            <a:endParaRPr lang="en-US" dirty="0" smtClean="0"/>
           </a:p>
           <a:p>
             <a:pPr marL="0" indent="0">
@@ -2058,7 +1945,6 @@
               <a:rPr lang="en-US" dirty="0" smtClean="0"/>
               <a:t>) and other C/C++ libraries that provide asynchronous I/O.</a:t>
             </a:r>
-            <a:endParaRPr lang="en-US" dirty="0" smtClean="0"/>
           </a:p>
           <a:p>
             <a:pPr marL="0" indent="0">
@@ -2234,11 +2120,7 @@
           <a:p>
             <a:r>
               <a:rPr lang="en-US" dirty="0" smtClean="0"/>
-              <a:t>Scalability </a:t>
-            </a:r>
-            <a:r>
-              <a:rPr lang="en-US" dirty="0" smtClean="0"/>
-              <a:t>and stability proven by many serious users (LinkedIn,</a:t>
+              <a:t>Scalability and stability proven by many serious users (LinkedIn,</a:t>
             </a:r>
             <a:r>
               <a:rPr lang="en-US" baseline="0" dirty="0" smtClean="0"/>
@@ -2676,12 +2558,12 @@
               <a:t> create symbolic link to web component that are </a:t>
             </a:r>
             <a:r>
-              <a:rPr lang="en-US" baseline="0" dirty="0" err="1" smtClean="0"/>
-              <a:t>staticly</a:t>
-            </a:r>
-            <a:r>
               <a:rPr lang="en-US" baseline="0" dirty="0" smtClean="0"/>
-              <a:t> serve by the web service.</a:t>
+              <a:t>served </a:t>
+            </a:r>
+            <a:r>
+              <a:rPr lang="en-US" baseline="0" dirty="0" smtClean="0"/>
+              <a:t>by the web service.</a:t>
             </a:r>
             <a:endParaRPr lang="en-US" dirty="0"/>
           </a:p>
@@ -6212,7 +6094,7 @@
         </p:blipFill>
         <p:spPr>
           <a:xfrm>
-            <a:off x="3703093" y="241483"/>
+            <a:off x="3668375" y="241483"/>
             <a:ext cx="7988969" cy="8168208"/>
           </a:xfrm>
           <a:prstGeom prst="rect">
@@ -6934,7 +6816,7 @@
           <a:p>
             <a:r>
               <a:rPr lang="en-US" dirty="0" smtClean="0"/>
-              <a:t>Deployment - Local</a:t>
+              <a:t>Deployment - VM</a:t>
             </a:r>
             <a:endParaRPr lang="en-US" dirty="0"/>
           </a:p>
@@ -6949,6 +6831,113 @@
           <p:nvPr>
             <p:ph idx="1"/>
           </p:nvPr>
+        </p:nvPicPr>
+        <p:blipFill>
+          <a:blip r:embed="rId2">
+            <a:extLst>
+              <a:ext uri="{28A0092B-C50C-407E-A947-70E740481C1C}">
+                <a14:useLocalDpi xmlns:a14="http://schemas.microsoft.com/office/drawing/2010/main" val="0"/>
+              </a:ext>
+            </a:extLst>
+          </a:blip>
+          <a:stretch>
+            <a:fillRect/>
+          </a:stretch>
+        </p:blipFill>
+        <p:spPr>
+          <a:xfrm>
+            <a:off x="13958208" y="370333"/>
+            <a:ext cx="1486501" cy="1519852"/>
+          </a:xfrm>
+        </p:spPr>
+      </p:pic>
+      <p:sp>
+        <p:nvSpPr>
+          <p:cNvPr id="7" name="TextBox 6"/>
+          <p:cNvSpPr txBox="1"/>
+          <p:nvPr/>
+        </p:nvSpPr>
+        <p:spPr>
+          <a:xfrm>
+            <a:off x="812880" y="2454442"/>
+            <a:ext cx="15020678" cy="2554545"/>
+          </a:xfrm>
+          <a:prstGeom prst="rect">
+            <a:avLst/>
+          </a:prstGeom>
+          <a:noFill/>
+        </p:spPr>
+        <p:txBody>
+          <a:bodyPr wrap="square" rtlCol="0">
+            <a:spAutoFit/>
+          </a:bodyPr>
+          <a:lstStyle/>
+          <a:p>
+            <a:pPr marL="457200" lvl="3" indent="-457200">
+              <a:buFont typeface="Arial" pitchFamily="34" charset="0"/>
+              <a:buChar char="•"/>
+            </a:pPr>
+            <a:r>
+              <a:rPr lang="en-US" dirty="0" smtClean="0"/>
+              <a:t>Vagrant + Oracle Virtual Box</a:t>
+            </a:r>
+          </a:p>
+          <a:p>
+            <a:pPr marL="457200" lvl="3" indent="-457200">
+              <a:buFont typeface="Arial" pitchFamily="34" charset="0"/>
+              <a:buChar char="•"/>
+            </a:pPr>
+            <a:endParaRPr lang="en-US" dirty="0"/>
+          </a:p>
+          <a:p>
+            <a:pPr marL="457200" lvl="3" indent="-457200">
+              <a:buFont typeface="Arial" pitchFamily="34" charset="0"/>
+              <a:buChar char="•"/>
+            </a:pPr>
+            <a:r>
+              <a:rPr lang="en-US" dirty="0" smtClean="0"/>
+              <a:t>Minimize difference between VM deployment and Amazon</a:t>
+            </a:r>
+          </a:p>
+          <a:p>
+            <a:pPr marL="457200" lvl="3" indent="-457200">
+              <a:buFont typeface="Arial" pitchFamily="34" charset="0"/>
+              <a:buChar char="•"/>
+            </a:pPr>
+            <a:endParaRPr lang="en-US" dirty="0"/>
+          </a:p>
+          <a:p>
+            <a:pPr marL="457200" lvl="3" indent="-457200">
+              <a:buFont typeface="Arial" pitchFamily="34" charset="0"/>
+              <a:buChar char="•"/>
+            </a:pPr>
+            <a:r>
+              <a:rPr lang="en-US" dirty="0" smtClean="0"/>
+              <a:t>Great </a:t>
+            </a:r>
+            <a:r>
+              <a:rPr lang="en-US" dirty="0" smtClean="0"/>
+              <a:t>way </a:t>
+            </a:r>
+            <a:r>
+              <a:rPr lang="en-US" dirty="0" smtClean="0"/>
+              <a:t>to quickly test </a:t>
+            </a:r>
+            <a:r>
+              <a:rPr lang="en-US" dirty="0" smtClean="0"/>
+              <a:t>Chef cookbooks</a:t>
+            </a:r>
+            <a:endParaRPr lang="en-US" dirty="0"/>
+          </a:p>
+        </p:txBody>
+      </p:sp>
+      <p:pic>
+        <p:nvPicPr>
+          <p:cNvPr id="5" name="Picture 4"/>
+          <p:cNvPicPr>
+            <a:picLocks noChangeAspect="1"/>
+          </p:cNvPicPr>
+          <p:nvPr/>
         </p:nvPicPr>
         <p:blipFill>
           <a:blip r:embed="rId3">
@@ -6964,75 +6953,6 @@
         </p:blipFill>
         <p:spPr>
           <a:xfrm>
-            <a:off x="13958208" y="370333"/>
-            <a:ext cx="1486501" cy="1519852"/>
-          </a:xfrm>
-        </p:spPr>
-      </p:pic>
-      <p:sp>
-        <p:nvSpPr>
-          <p:cNvPr id="7" name="TextBox 6"/>
-          <p:cNvSpPr txBox="1"/>
-          <p:nvPr/>
-        </p:nvSpPr>
-        <p:spPr>
-          <a:xfrm>
-            <a:off x="812880" y="2454442"/>
-            <a:ext cx="15020678" cy="584775"/>
-          </a:xfrm>
-          <a:prstGeom prst="rect">
-            <a:avLst/>
-          </a:prstGeom>
-          <a:noFill/>
-        </p:spPr>
-        <p:txBody>
-          <a:bodyPr wrap="square" rtlCol="0">
-            <a:spAutoFit/>
-          </a:bodyPr>
-          <a:lstStyle/>
-          <a:p>
-            <a:pPr marL="457200" lvl="3" indent="-457200">
-              <a:buFont typeface="Arial" pitchFamily="34" charset="0"/>
-              <a:buChar char="•"/>
-            </a:pPr>
-            <a:r>
-              <a:rPr lang="en-US" dirty="0" err="1"/>
-              <a:t>n</a:t>
-            </a:r>
-            <a:r>
-              <a:rPr lang="en-US" dirty="0" err="1" smtClean="0"/>
-              <a:t>pm</a:t>
-            </a:r>
-            <a:r>
-              <a:rPr lang="en-US" dirty="0" smtClean="0"/>
-              <a:t> start</a:t>
-            </a:r>
-            <a:endParaRPr lang="en-US" dirty="0"/>
-          </a:p>
-        </p:txBody>
-      </p:sp>
-      <p:pic>
-        <p:nvPicPr>
-          <p:cNvPr id="5" name="Picture 4"/>
-          <p:cNvPicPr>
-            <a:picLocks noChangeAspect="1"/>
-          </p:cNvPicPr>
-          <p:nvPr/>
-        </p:nvPicPr>
-        <p:blipFill>
-          <a:blip r:embed="rId4">
-            <a:extLst>
-              <a:ext uri="{28A0092B-C50C-407E-A947-70E740481C1C}">
-                <a14:useLocalDpi xmlns:a14="http://schemas.microsoft.com/office/drawing/2010/main" val="0"/>
-              </a:ext>
-            </a:extLst>
-          </a:blip>
-          <a:stretch>
-            <a:fillRect/>
-          </a:stretch>
-        </p:blipFill>
-        <p:spPr>
-          <a:xfrm>
             <a:off x="3703093" y="241483"/>
             <a:ext cx="7988969" cy="8168208"/>
           </a:xfrm>
@@ -7044,7 +6964,7 @@
     </p:spTree>
     <p:extLst>
       <p:ext uri="{BB962C8B-B14F-4D97-AF65-F5344CB8AC3E}">
-        <p14:creationId xmlns:p14="http://schemas.microsoft.com/office/powerpoint/2010/main" val="2785045002"/>
+        <p14:creationId xmlns:p14="http://schemas.microsoft.com/office/powerpoint/2010/main" val="774829588"/>
       </p:ext>
     </p:extLst>
   </p:cSld>
@@ -7095,193 +7015,6 @@
           <a:p>
             <a:r>
               <a:rPr lang="en-US" dirty="0" smtClean="0"/>
-              <a:t>Deployment - VM</a:t>
-            </a:r>
-            <a:endParaRPr lang="en-US" dirty="0"/>
-          </a:p>
-        </p:txBody>
-      </p:sp>
-      <p:pic>
-        <p:nvPicPr>
-          <p:cNvPr id="6" name="Content Placeholder 5"/>
-          <p:cNvPicPr>
-            <a:picLocks noGrp="1" noChangeAspect="1"/>
-          </p:cNvPicPr>
-          <p:nvPr>
-            <p:ph idx="1"/>
-          </p:nvPr>
-        </p:nvPicPr>
-        <p:blipFill>
-          <a:blip r:embed="rId2">
-            <a:extLst>
-              <a:ext uri="{28A0092B-C50C-407E-A947-70E740481C1C}">
-                <a14:useLocalDpi xmlns:a14="http://schemas.microsoft.com/office/drawing/2010/main" val="0"/>
-              </a:ext>
-            </a:extLst>
-          </a:blip>
-          <a:stretch>
-            <a:fillRect/>
-          </a:stretch>
-        </p:blipFill>
-        <p:spPr>
-          <a:xfrm>
-            <a:off x="13958208" y="370333"/>
-            <a:ext cx="1486501" cy="1519852"/>
-          </a:xfrm>
-        </p:spPr>
-      </p:pic>
-      <p:sp>
-        <p:nvSpPr>
-          <p:cNvPr id="7" name="TextBox 6"/>
-          <p:cNvSpPr txBox="1"/>
-          <p:nvPr/>
-        </p:nvSpPr>
-        <p:spPr>
-          <a:xfrm>
-            <a:off x="812880" y="2454442"/>
-            <a:ext cx="15020678" cy="2554545"/>
-          </a:xfrm>
-          <a:prstGeom prst="rect">
-            <a:avLst/>
-          </a:prstGeom>
-          <a:noFill/>
-        </p:spPr>
-        <p:txBody>
-          <a:bodyPr wrap="square" rtlCol="0">
-            <a:spAutoFit/>
-          </a:bodyPr>
-          <a:lstStyle/>
-          <a:p>
-            <a:pPr marL="457200" lvl="3" indent="-457200">
-              <a:buFont typeface="Arial" pitchFamily="34" charset="0"/>
-              <a:buChar char="•"/>
-            </a:pPr>
-            <a:r>
-              <a:rPr lang="en-US" dirty="0" smtClean="0"/>
-              <a:t>Vagrant + Oracle Virtual Box</a:t>
-            </a:r>
-          </a:p>
-          <a:p>
-            <a:pPr marL="457200" lvl="3" indent="-457200">
-              <a:buFont typeface="Arial" pitchFamily="34" charset="0"/>
-              <a:buChar char="•"/>
-            </a:pPr>
-            <a:endParaRPr lang="en-US" dirty="0"/>
-          </a:p>
-          <a:p>
-            <a:pPr marL="457200" lvl="3" indent="-457200">
-              <a:buFont typeface="Arial" pitchFamily="34" charset="0"/>
-              <a:buChar char="•"/>
-            </a:pPr>
-            <a:r>
-              <a:rPr lang="en-US" dirty="0" smtClean="0"/>
-              <a:t>Minimize difference between VM deployment and Amazon</a:t>
-            </a:r>
-          </a:p>
-          <a:p>
-            <a:pPr marL="457200" lvl="3" indent="-457200">
-              <a:buFont typeface="Arial" pitchFamily="34" charset="0"/>
-              <a:buChar char="•"/>
-            </a:pPr>
-            <a:endParaRPr lang="en-US" dirty="0"/>
-          </a:p>
-          <a:p>
-            <a:pPr marL="457200" lvl="3" indent="-457200">
-              <a:buFont typeface="Arial" pitchFamily="34" charset="0"/>
-              <a:buChar char="•"/>
-            </a:pPr>
-            <a:r>
-              <a:rPr lang="en-US" dirty="0" smtClean="0"/>
-              <a:t>Great to test Chef cookbooks</a:t>
-            </a:r>
-            <a:endParaRPr lang="en-US" dirty="0"/>
-          </a:p>
-        </p:txBody>
-      </p:sp>
-      <p:pic>
-        <p:nvPicPr>
-          <p:cNvPr id="5" name="Picture 4"/>
-          <p:cNvPicPr>
-            <a:picLocks noChangeAspect="1"/>
-          </p:cNvPicPr>
-          <p:nvPr/>
-        </p:nvPicPr>
-        <p:blipFill>
-          <a:blip r:embed="rId3">
-            <a:extLst>
-              <a:ext uri="{28A0092B-C50C-407E-A947-70E740481C1C}">
-                <a14:useLocalDpi xmlns:a14="http://schemas.microsoft.com/office/drawing/2010/main" val="0"/>
-              </a:ext>
-            </a:extLst>
-          </a:blip>
-          <a:stretch>
-            <a:fillRect/>
-          </a:stretch>
-        </p:blipFill>
-        <p:spPr>
-          <a:xfrm>
-            <a:off x="3703093" y="241483"/>
-            <a:ext cx="7988969" cy="8168208"/>
-          </a:xfrm>
-          <a:prstGeom prst="rect">
-            <a:avLst/>
-          </a:prstGeom>
-        </p:spPr>
-      </p:pic>
-    </p:spTree>
-    <p:extLst>
-      <p:ext uri="{BB962C8B-B14F-4D97-AF65-F5344CB8AC3E}">
-        <p14:creationId xmlns:p14="http://schemas.microsoft.com/office/powerpoint/2010/main" val="774829588"/>
-      </p:ext>
-    </p:extLst>
-  </p:cSld>
-  <p:clrMapOvr>
-    <a:masterClrMapping/>
-  </p:clrMapOvr>
-  <p:timing>
-    <p:tnLst>
-      <p:par>
-        <p:cTn id="1" dur="indefinite" restart="never" nodeType="tmRoot"/>
-      </p:par>
-    </p:tnLst>
-  </p:timing>
-</p:sld>
-</file>
-
-<file path=ppt/slides/slide16.xml><?xml version="1.0" encoding="utf-8"?>
-<p:sld xmlns:a="http://schemas.openxmlformats.org/drawingml/2006/main" xmlns:r="http://schemas.openxmlformats.org/officeDocument/2006/relationships" xmlns:p="http://schemas.openxmlformats.org/presentationml/2006/main">
-  <p:cSld>
-    <p:spTree>
-      <p:nvGrpSpPr>
-        <p:cNvPr id="1" name=""/>
-        <p:cNvGrpSpPr/>
-        <p:nvPr/>
-      </p:nvGrpSpPr>
-      <p:grpSpPr>
-        <a:xfrm>
-          <a:off x="0" y="0"/>
-          <a:ext cx="0" cy="0"/>
-          <a:chOff x="0" y="0"/>
-          <a:chExt cx="0" cy="0"/>
-        </a:xfrm>
-      </p:grpSpPr>
-      <p:sp>
-        <p:nvSpPr>
-          <p:cNvPr id="3" name="Title 2"/>
-          <p:cNvSpPr>
-            <a:spLocks noGrp="1"/>
-          </p:cNvSpPr>
-          <p:nvPr>
-            <p:ph type="title"/>
-          </p:nvPr>
-        </p:nvSpPr>
-        <p:spPr/>
-        <p:txBody>
-          <a:bodyPr/>
-          <a:lstStyle/>
-          <a:p>
-            <a:r>
-              <a:rPr lang="en-US" dirty="0" smtClean="0"/>
               <a:t>Deployment - Amazon</a:t>
             </a:r>
             <a:endParaRPr lang="en-US" dirty="0"/>
@@ -7379,7 +7112,23 @@
             </a:pPr>
             <a:r>
               <a:rPr lang="en-US" dirty="0" smtClean="0"/>
-              <a:t>EC2 instance are provision from scratch using Chef</a:t>
+              <a:t>EC2 instance are </a:t>
+            </a:r>
+            <a:r>
+              <a:rPr lang="en-US" dirty="0" smtClean="0"/>
+              <a:t>provisioned </a:t>
+            </a:r>
+            <a:r>
+              <a:rPr lang="en-US" dirty="0" smtClean="0"/>
+              <a:t>from </a:t>
+            </a:r>
+            <a:r>
+              <a:rPr lang="en-US" dirty="0" smtClean="0"/>
+              <a:t>vanilla Ubuntu using </a:t>
+            </a:r>
+            <a:r>
+              <a:rPr lang="en-US" dirty="0" smtClean="0"/>
+              <a:t>Chef</a:t>
             </a:r>
           </a:p>
           <a:p>
@@ -7399,12 +7148,16 @@
               <a:t>Route53 provide </a:t>
             </a:r>
             <a:r>
-              <a:rPr lang="en-US" dirty="0" err="1" smtClean="0"/>
-              <a:t>dns</a:t>
-            </a:r>
-            <a:r>
-              <a:rPr lang="en-US" dirty="0" smtClean="0"/>
-              <a:t> for each stack like test.sandbox.scotty.mecs.autodesk.com</a:t>
+              <a:rPr lang="en-US" dirty="0" smtClean="0"/>
+              <a:t>DNS</a:t>
+            </a:r>
+            <a:r>
+              <a:rPr lang="en-US" dirty="0" smtClean="0"/>
+              <a:t> </a:t>
+            </a:r>
+            <a:r>
+              <a:rPr lang="en-US" dirty="0" smtClean="0"/>
+              <a:t>for each stack like test.sandbox.scotty.mecs.autodesk.com</a:t>
             </a:r>
             <a:endParaRPr lang="en-US" dirty="0"/>
           </a:p>
@@ -7432,7 +7185,7 @@
         </p:blipFill>
         <p:spPr>
           <a:xfrm>
-            <a:off x="3703093" y="241483"/>
+            <a:off x="3703092" y="241483"/>
             <a:ext cx="7988969" cy="8168208"/>
           </a:xfrm>
           <a:prstGeom prst="rect">
@@ -7460,7 +7213,7 @@
 </p:sld>
 </file>
 
-<file path=ppt/slides/slide17.xml><?xml version="1.0" encoding="utf-8"?>
+<file path=ppt/slides/slide16.xml><?xml version="1.0" encoding="utf-8"?>
 <p:sld xmlns:a="http://schemas.openxmlformats.org/drawingml/2006/main" xmlns:r="http://schemas.openxmlformats.org/officeDocument/2006/relationships" xmlns:p="http://schemas.openxmlformats.org/presentationml/2006/main">
   <p:cSld>
     <p:spTree>
@@ -7641,7 +7394,7 @@
 </p:sld>
 </file>
 
-<file path=ppt/slides/slide18.xml><?xml version="1.0" encoding="utf-8"?>
+<file path=ppt/slides/slide17.xml><?xml version="1.0" encoding="utf-8"?>
 <p:sld xmlns:a="http://schemas.openxmlformats.org/drawingml/2006/main" xmlns:r="http://schemas.openxmlformats.org/officeDocument/2006/relationships" xmlns:p="http://schemas.openxmlformats.org/presentationml/2006/main">
   <p:cSld>
     <p:spTree>
@@ -7675,7 +7428,11 @@
           <a:p>
             <a:r>
               <a:rPr lang="en-US" dirty="0" smtClean="0"/>
-              <a:t>Deployment – Set-up</a:t>
+              <a:t>Deployment – </a:t>
+            </a:r>
+            <a:r>
+              <a:rPr lang="en-US" dirty="0" smtClean="0"/>
+              <a:t>Application Configuration</a:t>
             </a:r>
             <a:endParaRPr lang="en-US" dirty="0"/>
           </a:p>
@@ -7719,7 +7476,7 @@
         <p:spPr>
           <a:xfrm>
             <a:off x="812880" y="2454442"/>
-            <a:ext cx="15020678" cy="3539430"/>
+            <a:ext cx="15020678" cy="2554545"/>
           </a:xfrm>
           <a:prstGeom prst="rect">
             <a:avLst/>
@@ -7752,24 +7509,6 @@
               <a:rPr lang="en-US" dirty="0"/>
               <a:t>)</a:t>
             </a:r>
-          </a:p>
-          <a:p>
-            <a:pPr marL="457200" lvl="3" indent="-457200">
-              <a:buFont typeface="Arial" pitchFamily="34" charset="0"/>
-              <a:buChar char="•"/>
-            </a:pPr>
-            <a:endParaRPr lang="en-US" dirty="0" smtClean="0"/>
-          </a:p>
-          <a:p>
-            <a:pPr marL="457200" lvl="3" indent="-457200">
-              <a:buFont typeface="Arial" pitchFamily="34" charset="0"/>
-              <a:buChar char="•"/>
-            </a:pPr>
-            <a:r>
-              <a:rPr lang="en-US" dirty="0" err="1" smtClean="0"/>
-              <a:t>default.json</a:t>
-            </a:r>
-            <a:endParaRPr lang="en-US" dirty="0" smtClean="0"/>
           </a:p>
           <a:p>
             <a:pPr marL="0" lvl="3"/>
@@ -7827,7 +7566,7 @@
         </p:blipFill>
         <p:spPr>
           <a:xfrm>
-            <a:off x="3703093" y="241483"/>
+            <a:off x="3703092" y="241483"/>
             <a:ext cx="7988969" cy="8168208"/>
           </a:xfrm>
           <a:prstGeom prst="rect">
@@ -7839,6 +7578,95 @@
     <p:extLst>
       <p:ext uri="{BB962C8B-B14F-4D97-AF65-F5344CB8AC3E}">
         <p14:creationId xmlns:p14="http://schemas.microsoft.com/office/powerpoint/2010/main" val="165461379"/>
+      </p:ext>
+    </p:extLst>
+  </p:cSld>
+  <p:clrMapOvr>
+    <a:masterClrMapping/>
+  </p:clrMapOvr>
+  <p:timing>
+    <p:tnLst>
+      <p:par>
+        <p:cTn id="1" dur="indefinite" restart="never" nodeType="tmRoot"/>
+      </p:par>
+    </p:tnLst>
+  </p:timing>
+</p:sld>
+</file>
+
+<file path=ppt/slides/slide18.xml><?xml version="1.0" encoding="utf-8"?>
+<p:sld xmlns:a="http://schemas.openxmlformats.org/drawingml/2006/main" xmlns:r="http://schemas.openxmlformats.org/officeDocument/2006/relationships" xmlns:p="http://schemas.openxmlformats.org/presentationml/2006/main">
+  <p:cSld>
+    <p:spTree>
+      <p:nvGrpSpPr>
+        <p:cNvPr id="1" name=""/>
+        <p:cNvGrpSpPr/>
+        <p:nvPr/>
+      </p:nvGrpSpPr>
+      <p:grpSpPr>
+        <a:xfrm>
+          <a:off x="0" y="0"/>
+          <a:ext cx="0" cy="0"/>
+          <a:chOff x="0" y="0"/>
+          <a:chExt cx="0" cy="0"/>
+        </a:xfrm>
+      </p:grpSpPr>
+      <p:sp>
+        <p:nvSpPr>
+          <p:cNvPr id="3" name="Text Placeholder 2"/>
+          <p:cNvSpPr>
+            <a:spLocks noGrp="1"/>
+          </p:cNvSpPr>
+          <p:nvPr>
+            <p:ph type="body" sz="quarter" idx="12"/>
+          </p:nvPr>
+        </p:nvSpPr>
+        <p:spPr/>
+        <p:txBody>
+          <a:bodyPr/>
+          <a:lstStyle/>
+          <a:p>
+            <a:r>
+              <a:rPr lang="en-US" dirty="0"/>
+              <a:t>Autodesk is a registered trademark of Autodesk, Inc., and/or its subsidiaries and/or affiliates in the USA and/or other countries. All other brand names, product names, or trademarks belong to their respective holders. Autodesk reserves the right to alter product and services offerings, and specifications and pricing at any time without notice, and is not responsible for typographical or graphical errors that may appear in this document.</a:t>
+            </a:r>
+          </a:p>
+        </p:txBody>
+      </p:sp>
+      <p:pic>
+        <p:nvPicPr>
+          <p:cNvPr id="4" name="Picture 3"/>
+          <p:cNvPicPr>
+            <a:picLocks noChangeAspect="1"/>
+          </p:cNvPicPr>
+          <p:nvPr/>
+        </p:nvPicPr>
+        <p:blipFill>
+          <a:blip r:embed="rId2">
+            <a:extLst>
+              <a:ext uri="{28A0092B-C50C-407E-A947-70E740481C1C}">
+                <a14:useLocalDpi xmlns:a14="http://schemas.microsoft.com/office/drawing/2010/main" val="0"/>
+              </a:ext>
+            </a:extLst>
+          </a:blip>
+          <a:stretch>
+            <a:fillRect/>
+          </a:stretch>
+        </p:blipFill>
+        <p:spPr>
+          <a:xfrm>
+            <a:off x="3703093" y="241483"/>
+            <a:ext cx="7988969" cy="8168208"/>
+          </a:xfrm>
+          <a:prstGeom prst="rect">
+            <a:avLst/>
+          </a:prstGeom>
+        </p:spPr>
+      </p:pic>
+    </p:spTree>
+    <p:extLst>
+      <p:ext uri="{BB962C8B-B14F-4D97-AF65-F5344CB8AC3E}">
+        <p14:creationId xmlns:p14="http://schemas.microsoft.com/office/powerpoint/2010/main" val="2167566970"/>
       </p:ext>
     </p:extLst>
   </p:cSld>
@@ -7874,12 +7702,12 @@
       </p:grpSpPr>
       <p:sp>
         <p:nvSpPr>
-          <p:cNvPr id="3" name="Text Placeholder 2"/>
+          <p:cNvPr id="3" name="Title 2"/>
           <p:cNvSpPr>
             <a:spLocks noGrp="1"/>
           </p:cNvSpPr>
           <p:nvPr>
-            <p:ph type="body" sz="quarter" idx="12"/>
+            <p:ph type="title"/>
           </p:nvPr>
         </p:nvSpPr>
         <p:spPr/>
@@ -7888,19 +7716,22 @@
           <a:lstStyle/>
           <a:p>
             <a:r>
-              <a:rPr lang="en-US" dirty="0"/>
-              <a:t>Autodesk is a registered trademark of Autodesk, Inc., and/or its subsidiaries and/or affiliates in the USA and/or other countries. All other brand names, product names, or trademarks belong to their respective holders. Autodesk reserves the right to alter product and services offerings, and specifications and pricing at any time without notice, and is not responsible for typographical or graphical errors that may appear in this document.</a:t>
-            </a:r>
+              <a:rPr lang="en-US" dirty="0" smtClean="0"/>
+              <a:t>Appendices</a:t>
+            </a:r>
+            <a:endParaRPr lang="en-US" dirty="0"/>
           </a:p>
         </p:txBody>
       </p:sp>
       <p:pic>
         <p:nvPicPr>
-          <p:cNvPr id="4" name="Picture 3"/>
+          <p:cNvPr id="6" name="Content Placeholder 5"/>
           <p:cNvPicPr>
-            <a:picLocks noChangeAspect="1"/>
+            <a:picLocks noGrp="1" noChangeAspect="1"/>
           </p:cNvPicPr>
-          <p:nvPr/>
+          <p:nvPr>
+            <p:ph idx="1"/>
+          </p:nvPr>
         </p:nvPicPr>
         <p:blipFill>
           <a:blip r:embed="rId2">
@@ -7916,6 +7747,33 @@
         </p:blipFill>
         <p:spPr>
           <a:xfrm>
+            <a:off x="13958208" y="370333"/>
+            <a:ext cx="1486501" cy="1519852"/>
+          </a:xfrm>
+        </p:spPr>
+      </p:pic>
+      <p:pic>
+        <p:nvPicPr>
+          <p:cNvPr id="4" name="Picture 3"/>
+          <p:cNvPicPr>
+            <a:picLocks noChangeAspect="1"/>
+          </p:cNvPicPr>
+          <p:nvPr/>
+        </p:nvPicPr>
+        <p:blipFill>
+          <a:blip r:embed="rId3">
+            <a:extLst>
+              <a:ext uri="{28A0092B-C50C-407E-A947-70E740481C1C}">
+                <a14:useLocalDpi xmlns:a14="http://schemas.microsoft.com/office/drawing/2010/main" val="0"/>
+              </a:ext>
+            </a:extLst>
+          </a:blip>
+          <a:stretch>
+            <a:fillRect/>
+          </a:stretch>
+        </p:blipFill>
+        <p:spPr>
+          <a:xfrm>
             <a:off x="3703093" y="241483"/>
             <a:ext cx="7988969" cy="8168208"/>
           </a:xfrm>
@@ -7927,7 +7785,7 @@
     </p:spTree>
     <p:extLst>
       <p:ext uri="{BB962C8B-B14F-4D97-AF65-F5344CB8AC3E}">
-        <p14:creationId xmlns:p14="http://schemas.microsoft.com/office/powerpoint/2010/main" val="2167566970"/>
+        <p14:creationId xmlns:p14="http://schemas.microsoft.com/office/powerpoint/2010/main" val="3092255360"/>
       </p:ext>
     </p:extLst>
   </p:cSld>
@@ -8195,7 +8053,7 @@
           <a:p>
             <a:r>
               <a:rPr lang="en-US" dirty="0" smtClean="0"/>
-              <a:t>Appendices</a:t>
+              <a:t>Technologies List</a:t>
             </a:r>
             <a:endParaRPr lang="en-US" dirty="0"/>
           </a:p>
@@ -8230,125 +8088,6 @@
           </a:xfrm>
         </p:spPr>
       </p:pic>
-      <p:pic>
-        <p:nvPicPr>
-          <p:cNvPr id="4" name="Picture 3"/>
-          <p:cNvPicPr>
-            <a:picLocks noChangeAspect="1"/>
-          </p:cNvPicPr>
-          <p:nvPr/>
-        </p:nvPicPr>
-        <p:blipFill>
-          <a:blip r:embed="rId3">
-            <a:extLst>
-              <a:ext uri="{28A0092B-C50C-407E-A947-70E740481C1C}">
-                <a14:useLocalDpi xmlns:a14="http://schemas.microsoft.com/office/drawing/2010/main" val="0"/>
-              </a:ext>
-            </a:extLst>
-          </a:blip>
-          <a:stretch>
-            <a:fillRect/>
-          </a:stretch>
-        </p:blipFill>
-        <p:spPr>
-          <a:xfrm>
-            <a:off x="3703093" y="241483"/>
-            <a:ext cx="7988969" cy="8168208"/>
-          </a:xfrm>
-          <a:prstGeom prst="rect">
-            <a:avLst/>
-          </a:prstGeom>
-        </p:spPr>
-      </p:pic>
-    </p:spTree>
-    <p:extLst>
-      <p:ext uri="{BB962C8B-B14F-4D97-AF65-F5344CB8AC3E}">
-        <p14:creationId xmlns:p14="http://schemas.microsoft.com/office/powerpoint/2010/main" val="3092255360"/>
-      </p:ext>
-    </p:extLst>
-  </p:cSld>
-  <p:clrMapOvr>
-    <a:masterClrMapping/>
-  </p:clrMapOvr>
-  <p:timing>
-    <p:tnLst>
-      <p:par>
-        <p:cTn id="1" dur="indefinite" restart="never" nodeType="tmRoot"/>
-      </p:par>
-    </p:tnLst>
-  </p:timing>
-</p:sld>
-</file>
-
-<file path=ppt/slides/slide21.xml><?xml version="1.0" encoding="utf-8"?>
-<p:sld xmlns:a="http://schemas.openxmlformats.org/drawingml/2006/main" xmlns:r="http://schemas.openxmlformats.org/officeDocument/2006/relationships" xmlns:p="http://schemas.openxmlformats.org/presentationml/2006/main">
-  <p:cSld>
-    <p:spTree>
-      <p:nvGrpSpPr>
-        <p:cNvPr id="1" name=""/>
-        <p:cNvGrpSpPr/>
-        <p:nvPr/>
-      </p:nvGrpSpPr>
-      <p:grpSpPr>
-        <a:xfrm>
-          <a:off x="0" y="0"/>
-          <a:ext cx="0" cy="0"/>
-          <a:chOff x="0" y="0"/>
-          <a:chExt cx="0" cy="0"/>
-        </a:xfrm>
-      </p:grpSpPr>
-      <p:sp>
-        <p:nvSpPr>
-          <p:cNvPr id="3" name="Title 2"/>
-          <p:cNvSpPr>
-            <a:spLocks noGrp="1"/>
-          </p:cNvSpPr>
-          <p:nvPr>
-            <p:ph type="title"/>
-          </p:nvPr>
-        </p:nvSpPr>
-        <p:spPr/>
-        <p:txBody>
-          <a:bodyPr/>
-          <a:lstStyle/>
-          <a:p>
-            <a:r>
-              <a:rPr lang="en-US" dirty="0" smtClean="0"/>
-              <a:t>Technologies List</a:t>
-            </a:r>
-            <a:endParaRPr lang="en-US" dirty="0"/>
-          </a:p>
-        </p:txBody>
-      </p:sp>
-      <p:pic>
-        <p:nvPicPr>
-          <p:cNvPr id="6" name="Content Placeholder 5"/>
-          <p:cNvPicPr>
-            <a:picLocks noGrp="1" noChangeAspect="1"/>
-          </p:cNvPicPr>
-          <p:nvPr>
-            <p:ph idx="1"/>
-          </p:nvPr>
-        </p:nvPicPr>
-        <p:blipFill>
-          <a:blip r:embed="rId2">
-            <a:extLst>
-              <a:ext uri="{28A0092B-C50C-407E-A947-70E740481C1C}">
-                <a14:useLocalDpi xmlns:a14="http://schemas.microsoft.com/office/drawing/2010/main" val="0"/>
-              </a:ext>
-            </a:extLst>
-          </a:blip>
-          <a:stretch>
-            <a:fillRect/>
-          </a:stretch>
-        </p:blipFill>
-        <p:spPr>
-          <a:xfrm>
-            <a:off x="13958208" y="370333"/>
-            <a:ext cx="1486501" cy="1519852"/>
-          </a:xfrm>
-        </p:spPr>
-      </p:pic>
       <p:sp>
         <p:nvSpPr>
           <p:cNvPr id="7" name="TextBox 6"/>
@@ -8878,7 +8617,7 @@
 </p:sld>
 </file>
 
-<file path=ppt/slides/slide22.xml><?xml version="1.0" encoding="utf-8"?>
+<file path=ppt/slides/slide21.xml><?xml version="1.0" encoding="utf-8"?>
 <p:sld xmlns:a="http://schemas.openxmlformats.org/drawingml/2006/main" xmlns:r="http://schemas.openxmlformats.org/officeDocument/2006/relationships" xmlns:p="http://schemas.openxmlformats.org/presentationml/2006/main">
   <p:cSld>
     <p:spTree>
@@ -9082,7 +8821,7 @@
 </p:sld>
 </file>
 
-<file path=ppt/slides/slide23.xml><?xml version="1.0" encoding="utf-8"?>
+<file path=ppt/slides/slide22.xml><?xml version="1.0" encoding="utf-8"?>
 <p:sld xmlns:a="http://schemas.openxmlformats.org/drawingml/2006/main" xmlns:r="http://schemas.openxmlformats.org/officeDocument/2006/relationships" xmlns:p="http://schemas.openxmlformats.org/presentationml/2006/main">
   <p:cSld>
     <p:spTree>
@@ -9235,7 +8974,7 @@
 </p:sld>
 </file>
 
-<file path=ppt/slides/slide24.xml><?xml version="1.0" encoding="utf-8"?>
+<file path=ppt/slides/slide23.xml><?xml version="1.0" encoding="utf-8"?>
 <p:sld xmlns:a="http://schemas.openxmlformats.org/drawingml/2006/main" xmlns:r="http://schemas.openxmlformats.org/officeDocument/2006/relationships" xmlns:p="http://schemas.openxmlformats.org/presentationml/2006/main">
   <p:cSld>
     <p:spTree>
@@ -9387,13 +9126,8 @@
             </a:pPr>
             <a:r>
               <a:rPr lang="en-US" dirty="0" smtClean="0"/>
-              <a:t>No solutions for </a:t>
-            </a:r>
-            <a:r>
-              <a:rPr lang="en-US" dirty="0" smtClean="0"/>
-              <a:t>trivial stuff (simple CRUD)</a:t>
-            </a:r>
-            <a:endParaRPr lang="en-US" dirty="0" smtClean="0"/>
+              <a:t>No solutions for trivial stuff (simple CRUD)</a:t>
+            </a:r>
           </a:p>
           <a:p>
             <a:pPr marL="1270010" lvl="1" indent="-457200">
@@ -9505,7 +9239,7 @@
 </p:sld>
 </file>
 
-<file path=ppt/slides/slide25.xml><?xml version="1.0" encoding="utf-8"?>
+<file path=ppt/slides/slide24.xml><?xml version="1.0" encoding="utf-8"?>
 <p:sld xmlns:a="http://schemas.openxmlformats.org/drawingml/2006/main" xmlns:r="http://schemas.openxmlformats.org/officeDocument/2006/relationships" xmlns:p="http://schemas.openxmlformats.org/presentationml/2006/main">
   <p:cSld>
     <p:spTree>
@@ -9700,7 +9434,7 @@
 </p:sld>
 </file>
 
-<file path=ppt/slides/slide26.xml><?xml version="1.0" encoding="utf-8"?>
+<file path=ppt/slides/slide25.xml><?xml version="1.0" encoding="utf-8"?>
 <p:sld xmlns:a="http://schemas.openxmlformats.org/drawingml/2006/main" xmlns:r="http://schemas.openxmlformats.org/officeDocument/2006/relationships" xmlns:p="http://schemas.openxmlformats.org/presentationml/2006/main">
   <p:cSld>
     <p:spTree>

--- a/TS2013_NodeJS_Novice_To_Ninja.pptx
+++ b/TS2013_NodeJS_Novice_To_Ninja.pptx
@@ -5,37 +5,39 @@
     <p:sldMasterId id="2147483648" r:id="rId4"/>
   </p:sldMasterIdLst>
   <p:notesMasterIdLst>
-    <p:notesMasterId r:id="rId30"/>
+    <p:notesMasterId r:id="rId32"/>
   </p:notesMasterIdLst>
   <p:handoutMasterIdLst>
-    <p:handoutMasterId r:id="rId31"/>
+    <p:handoutMasterId r:id="rId33"/>
   </p:handoutMasterIdLst>
   <p:sldIdLst>
     <p:sldId id="293" r:id="rId5"/>
-    <p:sldId id="297" r:id="rId6"/>
-    <p:sldId id="294" r:id="rId7"/>
-    <p:sldId id="317" r:id="rId8"/>
-    <p:sldId id="295" r:id="rId9"/>
-    <p:sldId id="296" r:id="rId10"/>
-    <p:sldId id="298" r:id="rId11"/>
-    <p:sldId id="301" r:id="rId12"/>
-    <p:sldId id="302" r:id="rId13"/>
+    <p:sldId id="321" r:id="rId6"/>
+    <p:sldId id="322" r:id="rId7"/>
+    <p:sldId id="323" r:id="rId8"/>
+    <p:sldId id="324" r:id="rId9"/>
+    <p:sldId id="325" r:id="rId10"/>
+    <p:sldId id="326" r:id="rId11"/>
+    <p:sldId id="327" r:id="rId12"/>
+    <p:sldId id="328" r:id="rId13"/>
     <p:sldId id="309" r:id="rId14"/>
     <p:sldId id="310" r:id="rId15"/>
     <p:sldId id="311" r:id="rId16"/>
     <p:sldId id="318" r:id="rId17"/>
     <p:sldId id="313" r:id="rId18"/>
-    <p:sldId id="314" r:id="rId19"/>
-    <p:sldId id="315" r:id="rId20"/>
-    <p:sldId id="316" r:id="rId21"/>
-    <p:sldId id="280" r:id="rId22"/>
-    <p:sldId id="303" r:id="rId23"/>
-    <p:sldId id="299" r:id="rId24"/>
-    <p:sldId id="300" r:id="rId25"/>
-    <p:sldId id="305" r:id="rId26"/>
-    <p:sldId id="307" r:id="rId27"/>
-    <p:sldId id="308" r:id="rId28"/>
-    <p:sldId id="304" r:id="rId29"/>
+    <p:sldId id="319" r:id="rId19"/>
+    <p:sldId id="314" r:id="rId20"/>
+    <p:sldId id="315" r:id="rId21"/>
+    <p:sldId id="316" r:id="rId22"/>
+    <p:sldId id="320" r:id="rId23"/>
+    <p:sldId id="280" r:id="rId24"/>
+    <p:sldId id="303" r:id="rId25"/>
+    <p:sldId id="299" r:id="rId26"/>
+    <p:sldId id="300" r:id="rId27"/>
+    <p:sldId id="305" r:id="rId28"/>
+    <p:sldId id="307" r:id="rId29"/>
+    <p:sldId id="308" r:id="rId30"/>
+    <p:sldId id="304" r:id="rId31"/>
   </p:sldIdLst>
   <p:sldSz cx="16257588" cy="9144000"/>
   <p:notesSz cx="6858000" cy="9144000"/>
@@ -776,7 +778,7 @@
             </a:pPr>
             <a:r>
               <a:rPr lang="en-US" baseline="0" dirty="0" smtClean="0"/>
-              <a:t>Mostly experienced C++ engineers</a:t>
+              <a:t>Mostly senior C++ engineers</a:t>
             </a:r>
           </a:p>
           <a:p>
@@ -1130,19 +1132,11 @@
           <a:p>
             <a:r>
               <a:rPr lang="en-US" dirty="0" smtClean="0"/>
-              <a:t>We start</a:t>
+              <a:t>*** Add company</a:t>
             </a:r>
             <a:r>
               <a:rPr lang="en-US" baseline="0" dirty="0" smtClean="0"/>
-              <a:t> from</a:t>
-            </a:r>
-            <a:r>
-              <a:rPr lang="en-US" dirty="0" smtClean="0"/>
-              <a:t> vanilla Ubuntu</a:t>
-            </a:r>
-            <a:r>
-              <a:rPr lang="en-US" baseline="0" dirty="0" smtClean="0"/>
-              <a:t> image</a:t>
+              <a:t> logos</a:t>
             </a:r>
             <a:endParaRPr lang="en-US" dirty="0"/>
           </a:p>
@@ -1165,7 +1159,7 @@
           <a:p>
             <a:fld id="{73E9330B-B1DA-214B-A229-0CB8492B91A5}" type="slidenum">
               <a:rPr lang="en-US" smtClean="0"/>
-              <a:t>15</a:t>
+              <a:t>14</a:t>
             </a:fld>
             <a:endParaRPr lang="en-US" dirty="0"/>
           </a:p>
@@ -1174,7 +1168,7 @@
     </p:spTree>
     <p:extLst>
       <p:ext uri="{BB962C8B-B14F-4D97-AF65-F5344CB8AC3E}">
-        <p14:creationId xmlns:p14="http://schemas.microsoft.com/office/powerpoint/2010/main" val="2894787376"/>
+        <p14:creationId xmlns:p14="http://schemas.microsoft.com/office/powerpoint/2010/main" val="3365830886"/>
       </p:ext>
     </p:extLst>
   </p:cSld>
@@ -1230,33 +1224,33 @@
           <a:p>
             <a:r>
               <a:rPr lang="en-US" dirty="0" smtClean="0"/>
-              <a:t>During</a:t>
+              <a:t>We start</a:t>
             </a:r>
             <a:r>
               <a:rPr lang="en-US" baseline="0" dirty="0" smtClean="0"/>
-              <a:t> publish, we package each web service with all his dependencies both internal and external. This allow us to deploy in the cloud without access to </a:t>
-            </a:r>
-            <a:r>
-              <a:rPr lang="en-US" baseline="0" dirty="0" err="1" smtClean="0"/>
-              <a:t>autodesk</a:t>
+              <a:t> from</a:t>
+            </a:r>
+            <a:r>
+              <a:rPr lang="en-US" dirty="0" smtClean="0"/>
+              <a:t> vanilla Ubuntu</a:t>
             </a:r>
             <a:r>
               <a:rPr lang="en-US" baseline="0" dirty="0" smtClean="0"/>
               <a:t> </a:t>
             </a:r>
             <a:r>
-              <a:rPr lang="en-US" baseline="0" dirty="0" err="1" smtClean="0"/>
-              <a:t>git</a:t>
-            </a:r>
-            <a:r>
               <a:rPr lang="en-US" baseline="0" dirty="0" smtClean="0"/>
-              <a:t> server.</a:t>
+              <a:t>image</a:t>
             </a:r>
           </a:p>
           <a:p>
             <a:endParaRPr lang="en-US" baseline="0" dirty="0" smtClean="0"/>
           </a:p>
           <a:p>
+            <a:r>
+              <a:rPr lang="en-US" baseline="0" dirty="0" smtClean="0"/>
+              <a:t>*** Image for Cloud Formation / Amazon Topology?</a:t>
+            </a:r>
             <a:endParaRPr lang="en-US" dirty="0"/>
           </a:p>
         </p:txBody>
@@ -1287,7 +1281,7 @@
     </p:spTree>
     <p:extLst>
       <p:ext uri="{BB962C8B-B14F-4D97-AF65-F5344CB8AC3E}">
-        <p14:creationId xmlns:p14="http://schemas.microsoft.com/office/powerpoint/2010/main" val="82051352"/>
+        <p14:creationId xmlns:p14="http://schemas.microsoft.com/office/powerpoint/2010/main" val="2894787376"/>
       </p:ext>
     </p:extLst>
   </p:cSld>
@@ -1341,36 +1335,40 @@
           <a:bodyPr/>
           <a:lstStyle/>
           <a:p>
-            <a:pPr marL="0" marR="0" lvl="3" indent="0" algn="l" defTabSz="812810" rtl="0" eaLnBrk="1" fontAlgn="auto" latinLnBrk="0" hangingPunct="1">
-              <a:lnSpc>
-                <a:spcPct val="100000"/>
-              </a:lnSpc>
-              <a:spcBef>
-                <a:spcPts val="0"/>
-              </a:spcBef>
-              <a:spcAft>
-                <a:spcPts val="0"/>
-              </a:spcAft>
-              <a:buClrTx/>
-              <a:buSzTx/>
-              <a:buFontTx/>
-              <a:buNone/>
-              <a:tabLst/>
-              <a:defRPr/>
-            </a:pPr>
-            <a:r>
-              <a:rPr lang="en-US" dirty="0" smtClean="0"/>
-              <a:t>Deployment can override defaults</a:t>
+            <a:r>
+              <a:rPr lang="en-US" dirty="0" smtClean="0"/>
+              <a:t>During</a:t>
             </a:r>
             <a:r>
               <a:rPr lang="en-US" baseline="0" dirty="0" smtClean="0"/>
-              <a:t>, chef generate a </a:t>
+              <a:t> publish, we package each web service with all his dependencies both internal and external. This allow us to deploy in the cloud without access to </a:t>
             </a:r>
             <a:r>
               <a:rPr lang="en-US" baseline="0" dirty="0" err="1" smtClean="0"/>
-              <a:t>production.json</a:t>
-            </a:r>
-            <a:endParaRPr lang="en-US" dirty="0" smtClean="0"/>
+              <a:t>autodesk</a:t>
+            </a:r>
+            <a:r>
+              <a:rPr lang="en-US" baseline="0" dirty="0" smtClean="0"/>
+              <a:t> </a:t>
+            </a:r>
+            <a:r>
+              <a:rPr lang="en-US" baseline="0" dirty="0" err="1" smtClean="0"/>
+              <a:t>git</a:t>
+            </a:r>
+            <a:r>
+              <a:rPr lang="en-US" baseline="0" dirty="0" smtClean="0"/>
+              <a:t> server.</a:t>
+            </a:r>
+          </a:p>
+          <a:p>
+            <a:endParaRPr lang="en-US" baseline="0" dirty="0" smtClean="0"/>
+          </a:p>
+          <a:p>
+            <a:r>
+              <a:rPr lang="en-US" dirty="0" smtClean="0"/>
+              <a:t>*** Change colors</a:t>
+            </a:r>
+            <a:endParaRPr lang="en-US" dirty="0"/>
           </a:p>
         </p:txBody>
       </p:sp>
@@ -1400,7 +1398,7 @@
     </p:spTree>
     <p:extLst>
       <p:ext uri="{BB962C8B-B14F-4D97-AF65-F5344CB8AC3E}">
-        <p14:creationId xmlns:p14="http://schemas.microsoft.com/office/powerpoint/2010/main" val="3217743312"/>
+        <p14:creationId xmlns:p14="http://schemas.microsoft.com/office/powerpoint/2010/main" val="82051352"/>
       </p:ext>
     </p:extLst>
   </p:cSld>
@@ -1454,7 +1452,80 @@
           <a:bodyPr/>
           <a:lstStyle/>
           <a:p>
-            <a:endParaRPr lang="en-US" dirty="0"/>
+            <a:pPr marL="0" marR="0" lvl="3" indent="0" algn="l" defTabSz="812810" rtl="0" eaLnBrk="1" fontAlgn="auto" latinLnBrk="0" hangingPunct="1">
+              <a:lnSpc>
+                <a:spcPct val="100000"/>
+              </a:lnSpc>
+              <a:spcBef>
+                <a:spcPts val="0"/>
+              </a:spcBef>
+              <a:spcAft>
+                <a:spcPts val="0"/>
+              </a:spcAft>
+              <a:buClrTx/>
+              <a:buSzTx/>
+              <a:buFontTx/>
+              <a:buNone/>
+              <a:tabLst/>
+              <a:defRPr/>
+            </a:pPr>
+            <a:r>
+              <a:rPr lang="en-US" dirty="0" smtClean="0"/>
+              <a:t>Deployment can override defaults</a:t>
+            </a:r>
+            <a:r>
+              <a:rPr lang="en-US" baseline="0" dirty="0" smtClean="0"/>
+              <a:t>, chef generate a </a:t>
+            </a:r>
+            <a:r>
+              <a:rPr lang="en-US" baseline="0" dirty="0" err="1" smtClean="0"/>
+              <a:t>production.json</a:t>
+            </a:r>
+            <a:endParaRPr lang="en-US" baseline="0" dirty="0" smtClean="0"/>
+          </a:p>
+          <a:p>
+            <a:pPr marL="0" marR="0" lvl="3" indent="0" algn="l" defTabSz="812810" rtl="0" eaLnBrk="1" fontAlgn="auto" latinLnBrk="0" hangingPunct="1">
+              <a:lnSpc>
+                <a:spcPct val="100000"/>
+              </a:lnSpc>
+              <a:spcBef>
+                <a:spcPts val="0"/>
+              </a:spcBef>
+              <a:spcAft>
+                <a:spcPts val="0"/>
+              </a:spcAft>
+              <a:buClrTx/>
+              <a:buSzTx/>
+              <a:buFontTx/>
+              <a:buNone/>
+              <a:tabLst/>
+              <a:defRPr/>
+            </a:pPr>
+            <a:endParaRPr lang="en-US" baseline="0" dirty="0" smtClean="0"/>
+          </a:p>
+          <a:p>
+            <a:pPr marL="0" marR="0" lvl="3" indent="0" algn="l" defTabSz="812810" rtl="0" eaLnBrk="1" fontAlgn="auto" latinLnBrk="0" hangingPunct="1">
+              <a:lnSpc>
+                <a:spcPct val="100000"/>
+              </a:lnSpc>
+              <a:spcBef>
+                <a:spcPts val="0"/>
+              </a:spcBef>
+              <a:spcAft>
+                <a:spcPts val="0"/>
+              </a:spcAft>
+              <a:buClrTx/>
+              <a:buSzTx/>
+              <a:buFontTx/>
+              <a:buNone/>
+              <a:tabLst/>
+              <a:defRPr/>
+            </a:pPr>
+            <a:r>
+              <a:rPr lang="en-US" baseline="0" dirty="0" smtClean="0"/>
+              <a:t>*** Diagram or code</a:t>
+            </a:r>
+            <a:endParaRPr lang="en-US" dirty="0" smtClean="0"/>
           </a:p>
         </p:txBody>
       </p:sp>
@@ -1475,7 +1546,899 @@
           <a:p>
             <a:fld id="{73E9330B-B1DA-214B-A229-0CB8492B91A5}" type="slidenum">
               <a:rPr lang="en-US" smtClean="0"/>
-              <a:t>21</a:t>
+              <a:t>18</a:t>
+            </a:fld>
+            <a:endParaRPr lang="en-US" dirty="0"/>
+          </a:p>
+        </p:txBody>
+      </p:sp>
+    </p:spTree>
+    <p:extLst>
+      <p:ext uri="{BB962C8B-B14F-4D97-AF65-F5344CB8AC3E}">
+        <p14:creationId xmlns:p14="http://schemas.microsoft.com/office/powerpoint/2010/main" val="3217743312"/>
+      </p:ext>
+    </p:extLst>
+  </p:cSld>
+  <p:clrMapOvr>
+    <a:masterClrMapping/>
+  </p:clrMapOvr>
+</p:notes>
+</file>
+
+<file path=ppt/notesSlides/notesSlide15.xml><?xml version="1.0" encoding="utf-8"?>
+<p:notes xmlns:a="http://schemas.openxmlformats.org/drawingml/2006/main" xmlns:r="http://schemas.openxmlformats.org/officeDocument/2006/relationships" xmlns:p="http://schemas.openxmlformats.org/presentationml/2006/main">
+  <p:cSld>
+    <p:spTree>
+      <p:nvGrpSpPr>
+        <p:cNvPr id="1" name=""/>
+        <p:cNvGrpSpPr/>
+        <p:nvPr/>
+      </p:nvGrpSpPr>
+      <p:grpSpPr>
+        <a:xfrm>
+          <a:off x="0" y="0"/>
+          <a:ext cx="0" cy="0"/>
+          <a:chOff x="0" y="0"/>
+          <a:chExt cx="0" cy="0"/>
+        </a:xfrm>
+      </p:grpSpPr>
+      <p:sp>
+        <p:nvSpPr>
+          <p:cNvPr id="2" name="Slide Image Placeholder 1"/>
+          <p:cNvSpPr>
+            <a:spLocks noGrp="1" noRot="1" noChangeAspect="1"/>
+          </p:cNvSpPr>
+          <p:nvPr>
+            <p:ph type="sldImg"/>
+          </p:nvPr>
+        </p:nvSpPr>
+        <p:spPr/>
+      </p:sp>
+      <p:sp>
+        <p:nvSpPr>
+          <p:cNvPr id="3" name="Notes Placeholder 2"/>
+          <p:cNvSpPr>
+            <a:spLocks noGrp="1"/>
+          </p:cNvSpPr>
+          <p:nvPr>
+            <p:ph type="body" idx="1"/>
+          </p:nvPr>
+        </p:nvSpPr>
+        <p:spPr/>
+        <p:txBody>
+          <a:bodyPr/>
+          <a:lstStyle/>
+          <a:p>
+            <a:pPr marL="0" marR="0" lvl="3" indent="0" algn="l" defTabSz="812810" rtl="0" eaLnBrk="1" fontAlgn="auto" latinLnBrk="0" hangingPunct="1">
+              <a:lnSpc>
+                <a:spcPct val="100000"/>
+              </a:lnSpc>
+              <a:spcBef>
+                <a:spcPts val="0"/>
+              </a:spcBef>
+              <a:spcAft>
+                <a:spcPts val="0"/>
+              </a:spcAft>
+              <a:buClrTx/>
+              <a:buSzTx/>
+              <a:buFontTx/>
+              <a:buNone/>
+              <a:tabLst/>
+              <a:defRPr/>
+            </a:pPr>
+            <a:r>
+              <a:rPr lang="en-US" dirty="0" smtClean="0"/>
+              <a:t>*** Add a bucket of icons</a:t>
+            </a:r>
+          </a:p>
+          <a:p>
+            <a:pPr marL="0" marR="0" lvl="3" indent="0" algn="l" defTabSz="812810" rtl="0" eaLnBrk="1" fontAlgn="auto" latinLnBrk="0" hangingPunct="1">
+              <a:lnSpc>
+                <a:spcPct val="100000"/>
+              </a:lnSpc>
+              <a:spcBef>
+                <a:spcPts val="0"/>
+              </a:spcBef>
+              <a:spcAft>
+                <a:spcPts val="0"/>
+              </a:spcAft>
+              <a:buClrTx/>
+              <a:buSzTx/>
+              <a:buFontTx/>
+              <a:buNone/>
+              <a:tabLst/>
+              <a:defRPr/>
+            </a:pPr>
+            <a:endParaRPr lang="en-US" sz="2400" kern="1200" dirty="0" smtClean="0">
+              <a:solidFill>
+                <a:schemeClr val="tx1"/>
+              </a:solidFill>
+              <a:effectLst/>
+              <a:latin typeface="+mn-lt"/>
+              <a:ea typeface="+mn-ea"/>
+              <a:cs typeface="+mn-cs"/>
+            </a:endParaRPr>
+          </a:p>
+          <a:p>
+            <a:pPr marL="0" marR="0" lvl="3" indent="0" algn="l" defTabSz="812810" rtl="0" eaLnBrk="1" fontAlgn="auto" latinLnBrk="0" hangingPunct="1">
+              <a:lnSpc>
+                <a:spcPct val="100000"/>
+              </a:lnSpc>
+              <a:spcBef>
+                <a:spcPts val="0"/>
+              </a:spcBef>
+              <a:spcAft>
+                <a:spcPts val="0"/>
+              </a:spcAft>
+              <a:buClrTx/>
+              <a:buSzTx/>
+              <a:buFontTx/>
+              <a:buNone/>
+              <a:tabLst/>
+              <a:defRPr/>
+            </a:pPr>
+            <a:r>
+              <a:rPr lang="en-US" sz="2400" kern="1200" dirty="0" smtClean="0">
+                <a:solidFill>
+                  <a:schemeClr val="tx1"/>
+                </a:solidFill>
+                <a:effectLst/>
+                <a:latin typeface="+mn-lt"/>
+                <a:ea typeface="+mn-ea"/>
+                <a:cs typeface="+mn-cs"/>
+              </a:rPr>
+              <a:t>Full JavaScript stack use-case: Web Services and Production Management</a:t>
+            </a:r>
+          </a:p>
+          <a:p>
+            <a:pPr marL="0" marR="0" lvl="3" indent="0" algn="l" defTabSz="812810" rtl="0" eaLnBrk="1" fontAlgn="auto" latinLnBrk="0" hangingPunct="1">
+              <a:lnSpc>
+                <a:spcPct val="100000"/>
+              </a:lnSpc>
+              <a:spcBef>
+                <a:spcPts val="0"/>
+              </a:spcBef>
+              <a:spcAft>
+                <a:spcPts val="0"/>
+              </a:spcAft>
+              <a:buClrTx/>
+              <a:buSzTx/>
+              <a:buFontTx/>
+              <a:buNone/>
+              <a:tabLst/>
+              <a:defRPr/>
+            </a:pPr>
+            <a:r>
+              <a:rPr lang="en-US" sz="2400" kern="1200" dirty="0" smtClean="0">
+                <a:solidFill>
+                  <a:schemeClr val="tx1"/>
+                </a:solidFill>
+                <a:effectLst/>
+                <a:latin typeface="+mn-lt"/>
+                <a:ea typeface="+mn-ea"/>
+                <a:cs typeface="+mn-cs"/>
+              </a:rPr>
+              <a:t>	Versioning System: </a:t>
+            </a:r>
+            <a:r>
+              <a:rPr lang="en-US" sz="2400" kern="1200" dirty="0" err="1" smtClean="0">
+                <a:solidFill>
+                  <a:schemeClr val="tx1"/>
+                </a:solidFill>
+                <a:effectLst/>
+                <a:latin typeface="+mn-lt"/>
+                <a:ea typeface="+mn-ea"/>
+                <a:cs typeface="+mn-cs"/>
+              </a:rPr>
+              <a:t>GitHub</a:t>
+            </a:r>
+            <a:endParaRPr lang="en-US" sz="2400" kern="1200" dirty="0" smtClean="0">
+              <a:solidFill>
+                <a:schemeClr val="tx1"/>
+              </a:solidFill>
+              <a:effectLst/>
+              <a:latin typeface="+mn-lt"/>
+              <a:ea typeface="+mn-ea"/>
+              <a:cs typeface="+mn-cs"/>
+            </a:endParaRPr>
+          </a:p>
+          <a:p>
+            <a:pPr marL="0" marR="0" lvl="3" indent="0" algn="l" defTabSz="812810" rtl="0" eaLnBrk="1" fontAlgn="auto" latinLnBrk="0" hangingPunct="1">
+              <a:lnSpc>
+                <a:spcPct val="100000"/>
+              </a:lnSpc>
+              <a:spcBef>
+                <a:spcPts val="0"/>
+              </a:spcBef>
+              <a:spcAft>
+                <a:spcPts val="0"/>
+              </a:spcAft>
+              <a:buClrTx/>
+              <a:buSzTx/>
+              <a:buFontTx/>
+              <a:buNone/>
+              <a:tabLst/>
+              <a:defRPr/>
+            </a:pPr>
+            <a:r>
+              <a:rPr lang="en-US" sz="2400" kern="1200" dirty="0" smtClean="0">
+                <a:solidFill>
+                  <a:schemeClr val="tx1"/>
+                </a:solidFill>
+                <a:effectLst/>
+                <a:latin typeface="+mn-lt"/>
+                <a:ea typeface="+mn-ea"/>
+                <a:cs typeface="+mn-cs"/>
+              </a:rPr>
+              <a:t>	Package Manager: </a:t>
+            </a:r>
+            <a:r>
+              <a:rPr lang="en-US" sz="2400" kern="1200" dirty="0" err="1" smtClean="0">
+                <a:solidFill>
+                  <a:schemeClr val="tx1"/>
+                </a:solidFill>
+                <a:effectLst/>
+                <a:latin typeface="+mn-lt"/>
+                <a:ea typeface="+mn-ea"/>
+                <a:cs typeface="+mn-cs"/>
+              </a:rPr>
+              <a:t>npm</a:t>
+            </a:r>
+            <a:endParaRPr lang="en-US" sz="2400" kern="1200" dirty="0" smtClean="0">
+              <a:solidFill>
+                <a:schemeClr val="tx1"/>
+              </a:solidFill>
+              <a:effectLst/>
+              <a:latin typeface="+mn-lt"/>
+              <a:ea typeface="+mn-ea"/>
+              <a:cs typeface="+mn-cs"/>
+            </a:endParaRPr>
+          </a:p>
+          <a:p>
+            <a:pPr marL="0" marR="0" lvl="3" indent="0" algn="l" defTabSz="812810" rtl="0" eaLnBrk="1" fontAlgn="auto" latinLnBrk="0" hangingPunct="1">
+              <a:lnSpc>
+                <a:spcPct val="100000"/>
+              </a:lnSpc>
+              <a:spcBef>
+                <a:spcPts val="0"/>
+              </a:spcBef>
+              <a:spcAft>
+                <a:spcPts val="0"/>
+              </a:spcAft>
+              <a:buClrTx/>
+              <a:buSzTx/>
+              <a:buFontTx/>
+              <a:buNone/>
+              <a:tabLst/>
+              <a:defRPr/>
+            </a:pPr>
+            <a:r>
+              <a:rPr lang="en-US" sz="2400" kern="1200" dirty="0" smtClean="0">
+                <a:solidFill>
+                  <a:schemeClr val="tx1"/>
+                </a:solidFill>
+                <a:effectLst/>
+                <a:latin typeface="+mn-lt"/>
+                <a:ea typeface="+mn-ea"/>
+                <a:cs typeface="+mn-cs"/>
+              </a:rPr>
+              <a:t>	Automation Tool: Grunt.js	</a:t>
+            </a:r>
+          </a:p>
+          <a:p>
+            <a:pPr marL="0" marR="0" lvl="3" indent="0" algn="l" defTabSz="812810" rtl="0" eaLnBrk="1" fontAlgn="auto" latinLnBrk="0" hangingPunct="1">
+              <a:lnSpc>
+                <a:spcPct val="100000"/>
+              </a:lnSpc>
+              <a:spcBef>
+                <a:spcPts val="0"/>
+              </a:spcBef>
+              <a:spcAft>
+                <a:spcPts val="0"/>
+              </a:spcAft>
+              <a:buClrTx/>
+              <a:buSzTx/>
+              <a:buFontTx/>
+              <a:buNone/>
+              <a:tabLst/>
+              <a:defRPr/>
+            </a:pPr>
+            <a:r>
+              <a:rPr lang="en-US" sz="2400" kern="1200" dirty="0" smtClean="0">
+                <a:solidFill>
+                  <a:schemeClr val="tx1"/>
+                </a:solidFill>
+                <a:effectLst/>
+                <a:latin typeface="+mn-lt"/>
+                <a:ea typeface="+mn-ea"/>
+                <a:cs typeface="+mn-cs"/>
+              </a:rPr>
+              <a:t>	Database: </a:t>
+            </a:r>
+            <a:r>
+              <a:rPr lang="en-US" sz="2400" kern="1200" dirty="0" err="1" smtClean="0">
+                <a:solidFill>
+                  <a:schemeClr val="tx1"/>
+                </a:solidFill>
+                <a:effectLst/>
+                <a:latin typeface="+mn-lt"/>
+                <a:ea typeface="+mn-ea"/>
+                <a:cs typeface="+mn-cs"/>
+              </a:rPr>
+              <a:t>MongoDB</a:t>
+            </a:r>
+            <a:r>
+              <a:rPr lang="en-US" sz="2400" kern="1200" dirty="0" smtClean="0">
+                <a:solidFill>
+                  <a:schemeClr val="tx1"/>
+                </a:solidFill>
+                <a:effectLst/>
+                <a:latin typeface="+mn-lt"/>
+                <a:ea typeface="+mn-ea"/>
+                <a:cs typeface="+mn-cs"/>
+              </a:rPr>
+              <a:t>/</a:t>
+            </a:r>
+            <a:r>
+              <a:rPr lang="en-US" sz="2400" kern="1200" dirty="0" err="1" smtClean="0">
+                <a:solidFill>
+                  <a:schemeClr val="tx1"/>
+                </a:solidFill>
+                <a:effectLst/>
+                <a:latin typeface="+mn-lt"/>
+                <a:ea typeface="+mn-ea"/>
+                <a:cs typeface="+mn-cs"/>
+              </a:rPr>
+              <a:t>CouchDB</a:t>
+            </a:r>
+            <a:endParaRPr lang="en-US" sz="2400" kern="1200" dirty="0" smtClean="0">
+              <a:solidFill>
+                <a:schemeClr val="tx1"/>
+              </a:solidFill>
+              <a:effectLst/>
+              <a:latin typeface="+mn-lt"/>
+              <a:ea typeface="+mn-ea"/>
+              <a:cs typeface="+mn-cs"/>
+            </a:endParaRPr>
+          </a:p>
+          <a:p>
+            <a:pPr marL="0" marR="0" lvl="3" indent="0" algn="l" defTabSz="812810" rtl="0" eaLnBrk="1" fontAlgn="auto" latinLnBrk="0" hangingPunct="1">
+              <a:lnSpc>
+                <a:spcPct val="100000"/>
+              </a:lnSpc>
+              <a:spcBef>
+                <a:spcPts val="0"/>
+              </a:spcBef>
+              <a:spcAft>
+                <a:spcPts val="0"/>
+              </a:spcAft>
+              <a:buClrTx/>
+              <a:buSzTx/>
+              <a:buFontTx/>
+              <a:buNone/>
+              <a:tabLst/>
+              <a:defRPr/>
+            </a:pPr>
+            <a:r>
+              <a:rPr lang="en-US" sz="2400" kern="1200" dirty="0" smtClean="0">
+                <a:solidFill>
+                  <a:schemeClr val="tx1"/>
+                </a:solidFill>
+                <a:effectLst/>
+                <a:latin typeface="+mn-lt"/>
+                <a:ea typeface="+mn-ea"/>
+                <a:cs typeface="+mn-cs"/>
+              </a:rPr>
+              <a:t>	IDE: </a:t>
+            </a:r>
+            <a:r>
+              <a:rPr lang="en-US" sz="2400" kern="1200" dirty="0" err="1" smtClean="0">
+                <a:solidFill>
+                  <a:schemeClr val="tx1"/>
+                </a:solidFill>
+                <a:effectLst/>
+                <a:latin typeface="+mn-lt"/>
+                <a:ea typeface="+mn-ea"/>
+                <a:cs typeface="+mn-cs"/>
+              </a:rPr>
+              <a:t>WebStorm</a:t>
+            </a:r>
+            <a:endParaRPr lang="en-US" sz="2400" kern="1200" dirty="0" smtClean="0">
+              <a:solidFill>
+                <a:schemeClr val="tx1"/>
+              </a:solidFill>
+              <a:effectLst/>
+              <a:latin typeface="+mn-lt"/>
+              <a:ea typeface="+mn-ea"/>
+              <a:cs typeface="+mn-cs"/>
+            </a:endParaRPr>
+          </a:p>
+          <a:p>
+            <a:pPr marL="0" marR="0" lvl="3" indent="0" algn="l" defTabSz="812810" rtl="0" eaLnBrk="1" fontAlgn="auto" latinLnBrk="0" hangingPunct="1">
+              <a:lnSpc>
+                <a:spcPct val="100000"/>
+              </a:lnSpc>
+              <a:spcBef>
+                <a:spcPts val="0"/>
+              </a:spcBef>
+              <a:spcAft>
+                <a:spcPts val="0"/>
+              </a:spcAft>
+              <a:buClrTx/>
+              <a:buSzTx/>
+              <a:buFontTx/>
+              <a:buNone/>
+              <a:tabLst/>
+              <a:defRPr/>
+            </a:pPr>
+            <a:r>
+              <a:rPr lang="en-US" sz="2400" kern="1200" dirty="0" smtClean="0">
+                <a:solidFill>
+                  <a:schemeClr val="tx1"/>
+                </a:solidFill>
+                <a:effectLst/>
+                <a:latin typeface="+mn-lt"/>
+                <a:ea typeface="+mn-ea"/>
+                <a:cs typeface="+mn-cs"/>
+              </a:rPr>
+              <a:t>	Release Tool: </a:t>
+            </a:r>
+            <a:r>
+              <a:rPr lang="en-US" sz="2400" kern="1200" dirty="0" err="1" smtClean="0">
+                <a:solidFill>
+                  <a:schemeClr val="tx1"/>
+                </a:solidFill>
+                <a:effectLst/>
+                <a:latin typeface="+mn-lt"/>
+                <a:ea typeface="+mn-ea"/>
+                <a:cs typeface="+mn-cs"/>
+              </a:rPr>
+              <a:t>npm</a:t>
+            </a:r>
+            <a:r>
+              <a:rPr lang="en-US" sz="2400" kern="1200" dirty="0" smtClean="0">
+                <a:solidFill>
+                  <a:schemeClr val="tx1"/>
+                </a:solidFill>
+                <a:effectLst/>
+                <a:latin typeface="+mn-lt"/>
+                <a:ea typeface="+mn-ea"/>
+                <a:cs typeface="+mn-cs"/>
+              </a:rPr>
+              <a:t>/</a:t>
+            </a:r>
+            <a:r>
+              <a:rPr lang="en-US" sz="2400" kern="1200" dirty="0" err="1" smtClean="0">
+                <a:solidFill>
+                  <a:schemeClr val="tx1"/>
+                </a:solidFill>
+                <a:effectLst/>
+                <a:latin typeface="+mn-lt"/>
+                <a:ea typeface="+mn-ea"/>
+                <a:cs typeface="+mn-cs"/>
+              </a:rPr>
+              <a:t>Git</a:t>
+            </a:r>
+            <a:endParaRPr lang="en-US" sz="2400" kern="1200" dirty="0" smtClean="0">
+              <a:solidFill>
+                <a:schemeClr val="tx1"/>
+              </a:solidFill>
+              <a:effectLst/>
+              <a:latin typeface="+mn-lt"/>
+              <a:ea typeface="+mn-ea"/>
+              <a:cs typeface="+mn-cs"/>
+            </a:endParaRPr>
+          </a:p>
+          <a:p>
+            <a:pPr marL="0" marR="0" lvl="3" indent="0" algn="l" defTabSz="812810" rtl="0" eaLnBrk="1" fontAlgn="auto" latinLnBrk="0" hangingPunct="1">
+              <a:lnSpc>
+                <a:spcPct val="100000"/>
+              </a:lnSpc>
+              <a:spcBef>
+                <a:spcPts val="0"/>
+              </a:spcBef>
+              <a:spcAft>
+                <a:spcPts val="0"/>
+              </a:spcAft>
+              <a:buClrTx/>
+              <a:buSzTx/>
+              <a:buFontTx/>
+              <a:buNone/>
+              <a:tabLst/>
+              <a:defRPr/>
+            </a:pPr>
+            <a:r>
+              <a:rPr lang="en-US" sz="2400" kern="1200" dirty="0" smtClean="0">
+                <a:solidFill>
+                  <a:schemeClr val="tx1"/>
+                </a:solidFill>
+                <a:effectLst/>
+                <a:latin typeface="+mn-lt"/>
+                <a:ea typeface="+mn-ea"/>
+                <a:cs typeface="+mn-cs"/>
+              </a:rPr>
+              <a:t>	Deployment: Chef/</a:t>
+            </a:r>
+            <a:r>
+              <a:rPr lang="en-US" sz="2400" kern="1200" dirty="0" err="1" smtClean="0">
+                <a:solidFill>
+                  <a:schemeClr val="tx1"/>
+                </a:solidFill>
+                <a:effectLst/>
+                <a:latin typeface="+mn-lt"/>
+                <a:ea typeface="+mn-ea"/>
+                <a:cs typeface="+mn-cs"/>
+              </a:rPr>
+              <a:t>Git</a:t>
+            </a:r>
+            <a:r>
+              <a:rPr lang="en-US" sz="2400" kern="1200" dirty="0" smtClean="0">
+                <a:solidFill>
+                  <a:schemeClr val="tx1"/>
+                </a:solidFill>
+                <a:effectLst/>
+                <a:latin typeface="+mn-lt"/>
+                <a:ea typeface="+mn-ea"/>
+                <a:cs typeface="+mn-cs"/>
+              </a:rPr>
+              <a:t> </a:t>
+            </a:r>
+          </a:p>
+          <a:p>
+            <a:pPr lvl="0"/>
+            <a:r>
+              <a:rPr lang="en-US" sz="2400" kern="1200" dirty="0" smtClean="0">
+                <a:solidFill>
+                  <a:schemeClr val="tx1"/>
+                </a:solidFill>
+                <a:effectLst/>
+                <a:latin typeface="+mn-lt"/>
+                <a:ea typeface="+mn-ea"/>
+                <a:cs typeface="+mn-cs"/>
+              </a:rPr>
+              <a:t>Hipster technology gaining credibility [DR]</a:t>
+            </a:r>
+          </a:p>
+          <a:p>
+            <a:pPr lvl="1"/>
+            <a:r>
+              <a:rPr lang="en-US" sz="2400" kern="1200" dirty="0" smtClean="0">
+                <a:solidFill>
+                  <a:schemeClr val="tx1"/>
+                </a:solidFill>
+                <a:effectLst/>
+                <a:latin typeface="+mn-lt"/>
+                <a:ea typeface="+mn-ea"/>
+                <a:cs typeface="+mn-cs"/>
+              </a:rPr>
+              <a:t>Node modules</a:t>
+            </a:r>
+          </a:p>
+          <a:p>
+            <a:pPr lvl="2"/>
+            <a:r>
+              <a:rPr lang="fr-CA" sz="2400" kern="1200" dirty="0" err="1" smtClean="0">
+                <a:solidFill>
+                  <a:schemeClr val="tx1"/>
+                </a:solidFill>
+                <a:effectLst/>
+                <a:latin typeface="+mn-lt"/>
+                <a:ea typeface="+mn-ea"/>
+                <a:cs typeface="+mn-cs"/>
+              </a:rPr>
+              <a:t>Databases</a:t>
+            </a:r>
+            <a:r>
+              <a:rPr lang="fr-CA" sz="2400" kern="1200" dirty="0" smtClean="0">
+                <a:solidFill>
+                  <a:schemeClr val="tx1"/>
+                </a:solidFill>
+                <a:effectLst/>
+                <a:latin typeface="+mn-lt"/>
+                <a:ea typeface="+mn-ea"/>
+                <a:cs typeface="+mn-cs"/>
+              </a:rPr>
+              <a:t>: </a:t>
+            </a:r>
+            <a:r>
+              <a:rPr lang="fr-CA" sz="2400" kern="1200" dirty="0" err="1" smtClean="0">
+                <a:solidFill>
+                  <a:schemeClr val="tx1"/>
+                </a:solidFill>
+                <a:effectLst/>
+                <a:latin typeface="+mn-lt"/>
+                <a:ea typeface="+mn-ea"/>
+                <a:cs typeface="+mn-cs"/>
+              </a:rPr>
+              <a:t>MongoDB</a:t>
+            </a:r>
+            <a:r>
+              <a:rPr lang="fr-CA" sz="2400" kern="1200" dirty="0" smtClean="0">
+                <a:solidFill>
+                  <a:schemeClr val="tx1"/>
+                </a:solidFill>
+                <a:effectLst/>
+                <a:latin typeface="+mn-lt"/>
+                <a:ea typeface="+mn-ea"/>
+                <a:cs typeface="+mn-cs"/>
+              </a:rPr>
+              <a:t>, </a:t>
+            </a:r>
+            <a:r>
+              <a:rPr lang="fr-CA" sz="2400" kern="1200" dirty="0" err="1" smtClean="0">
+                <a:solidFill>
+                  <a:schemeClr val="tx1"/>
+                </a:solidFill>
+                <a:effectLst/>
+                <a:latin typeface="+mn-lt"/>
+                <a:ea typeface="+mn-ea"/>
+                <a:cs typeface="+mn-cs"/>
+              </a:rPr>
+              <a:t>CouchDB</a:t>
+            </a:r>
+            <a:r>
+              <a:rPr lang="fr-CA" sz="2400" kern="1200" dirty="0" smtClean="0">
+                <a:solidFill>
+                  <a:schemeClr val="tx1"/>
+                </a:solidFill>
+                <a:effectLst/>
+                <a:latin typeface="+mn-lt"/>
+                <a:ea typeface="+mn-ea"/>
+                <a:cs typeface="+mn-cs"/>
+              </a:rPr>
+              <a:t>, PostgreSQL, etc.</a:t>
+            </a:r>
+            <a:endParaRPr lang="en-US" sz="2400" kern="1200" dirty="0" smtClean="0">
+              <a:solidFill>
+                <a:schemeClr val="tx1"/>
+              </a:solidFill>
+              <a:effectLst/>
+              <a:latin typeface="+mn-lt"/>
+              <a:ea typeface="+mn-ea"/>
+              <a:cs typeface="+mn-cs"/>
+            </a:endParaRPr>
+          </a:p>
+          <a:p>
+            <a:pPr lvl="2"/>
+            <a:r>
+              <a:rPr lang="en-US" sz="2400" kern="1200" dirty="0" smtClean="0">
+                <a:solidFill>
+                  <a:schemeClr val="tx1"/>
+                </a:solidFill>
+                <a:effectLst/>
+                <a:latin typeface="+mn-lt"/>
+                <a:ea typeface="+mn-ea"/>
+                <a:cs typeface="+mn-cs"/>
+              </a:rPr>
+              <a:t>Amazon : </a:t>
+            </a:r>
+            <a:r>
+              <a:rPr lang="en-US" sz="2400" kern="1200" dirty="0" err="1" smtClean="0">
+                <a:solidFill>
+                  <a:schemeClr val="tx1"/>
+                </a:solidFill>
+                <a:effectLst/>
+                <a:latin typeface="+mn-lt"/>
+                <a:ea typeface="+mn-ea"/>
+                <a:cs typeface="+mn-cs"/>
+              </a:rPr>
+              <a:t>aws-sdk</a:t>
+            </a:r>
+            <a:r>
+              <a:rPr lang="en-US" sz="2400" kern="1200" dirty="0" smtClean="0">
+                <a:solidFill>
+                  <a:schemeClr val="tx1"/>
+                </a:solidFill>
+                <a:effectLst/>
+                <a:latin typeface="+mn-lt"/>
+                <a:ea typeface="+mn-ea"/>
+                <a:cs typeface="+mn-cs"/>
+              </a:rPr>
+              <a:t>, </a:t>
+            </a:r>
+            <a:r>
+              <a:rPr lang="en-US" sz="2400" kern="1200" dirty="0" err="1" smtClean="0">
+                <a:solidFill>
+                  <a:schemeClr val="tx1"/>
+                </a:solidFill>
+                <a:effectLst/>
+                <a:latin typeface="+mn-lt"/>
+                <a:ea typeface="+mn-ea"/>
+                <a:cs typeface="+mn-cs"/>
+              </a:rPr>
+              <a:t>awssum</a:t>
+            </a:r>
+            <a:endParaRPr lang="en-US" sz="2400" kern="1200" dirty="0" smtClean="0">
+              <a:solidFill>
+                <a:schemeClr val="tx1"/>
+              </a:solidFill>
+              <a:effectLst/>
+              <a:latin typeface="+mn-lt"/>
+              <a:ea typeface="+mn-ea"/>
+              <a:cs typeface="+mn-cs"/>
+            </a:endParaRPr>
+          </a:p>
+          <a:p>
+            <a:pPr lvl="2"/>
+            <a:r>
+              <a:rPr lang="en-US" sz="2400" kern="1200" dirty="0" smtClean="0">
+                <a:solidFill>
+                  <a:schemeClr val="tx1"/>
+                </a:solidFill>
+                <a:effectLst/>
+                <a:latin typeface="+mn-lt"/>
+                <a:ea typeface="+mn-ea"/>
+                <a:cs typeface="+mn-cs"/>
+              </a:rPr>
+              <a:t>Build automation : Grunt.js</a:t>
+            </a:r>
+          </a:p>
+          <a:p>
+            <a:pPr lvl="1"/>
+            <a:r>
+              <a:rPr lang="en-US" sz="2400" kern="1200" dirty="0" smtClean="0">
+                <a:solidFill>
+                  <a:schemeClr val="tx1"/>
+                </a:solidFill>
+                <a:effectLst/>
+                <a:latin typeface="+mn-lt"/>
+                <a:ea typeface="+mn-ea"/>
+                <a:cs typeface="+mn-cs"/>
+              </a:rPr>
+              <a:t>Chef recipes (deployment)</a:t>
+            </a:r>
+          </a:p>
+          <a:p>
+            <a:pPr lvl="1"/>
+            <a:r>
+              <a:rPr lang="en-US" sz="2400" kern="1200" dirty="0" err="1" smtClean="0">
+                <a:solidFill>
+                  <a:schemeClr val="tx1"/>
+                </a:solidFill>
+                <a:effectLst/>
+                <a:latin typeface="+mn-lt"/>
+                <a:ea typeface="+mn-ea"/>
+                <a:cs typeface="+mn-cs"/>
+              </a:rPr>
+              <a:t>WebStorm</a:t>
+            </a:r>
+            <a:r>
+              <a:rPr lang="en-US" sz="2400" kern="1200" dirty="0" smtClean="0">
+                <a:solidFill>
+                  <a:schemeClr val="tx1"/>
+                </a:solidFill>
+                <a:effectLst/>
+                <a:latin typeface="+mn-lt"/>
+                <a:ea typeface="+mn-ea"/>
+                <a:cs typeface="+mn-cs"/>
+              </a:rPr>
+              <a:t> – Node.js ready</a:t>
+            </a:r>
+          </a:p>
+          <a:p>
+            <a:pPr marL="0" marR="0" lvl="3" indent="0" algn="l" defTabSz="812810" rtl="0" eaLnBrk="1" fontAlgn="auto" latinLnBrk="0" hangingPunct="1">
+              <a:lnSpc>
+                <a:spcPct val="100000"/>
+              </a:lnSpc>
+              <a:spcBef>
+                <a:spcPts val="0"/>
+              </a:spcBef>
+              <a:spcAft>
+                <a:spcPts val="0"/>
+              </a:spcAft>
+              <a:buClrTx/>
+              <a:buSzTx/>
+              <a:buFontTx/>
+              <a:buNone/>
+              <a:tabLst/>
+              <a:defRPr/>
+            </a:pPr>
+            <a:endParaRPr lang="en-US" dirty="0" smtClean="0"/>
+          </a:p>
+        </p:txBody>
+      </p:sp>
+      <p:sp>
+        <p:nvSpPr>
+          <p:cNvPr id="4" name="Slide Number Placeholder 3"/>
+          <p:cNvSpPr>
+            <a:spLocks noGrp="1"/>
+          </p:cNvSpPr>
+          <p:nvPr>
+            <p:ph type="sldNum" sz="quarter" idx="10"/>
+          </p:nvPr>
+        </p:nvSpPr>
+        <p:spPr/>
+        <p:txBody>
+          <a:bodyPr/>
+          <a:lstStyle/>
+          <a:p>
+            <a:fld id="{73E9330B-B1DA-214B-A229-0CB8492B91A5}" type="slidenum">
+              <a:rPr lang="en-US" smtClean="0"/>
+              <a:t>19</a:t>
+            </a:fld>
+            <a:endParaRPr lang="en-US" dirty="0"/>
+          </a:p>
+        </p:txBody>
+      </p:sp>
+    </p:spTree>
+    <p:extLst>
+      <p:ext uri="{BB962C8B-B14F-4D97-AF65-F5344CB8AC3E}">
+        <p14:creationId xmlns:p14="http://schemas.microsoft.com/office/powerpoint/2010/main" val="3217743312"/>
+      </p:ext>
+    </p:extLst>
+  </p:cSld>
+  <p:clrMapOvr>
+    <a:masterClrMapping/>
+  </p:clrMapOvr>
+</p:notes>
+</file>
+
+<file path=ppt/notesSlides/notesSlide16.xml><?xml version="1.0" encoding="utf-8"?>
+<p:notes xmlns:a="http://schemas.openxmlformats.org/drawingml/2006/main" xmlns:r="http://schemas.openxmlformats.org/officeDocument/2006/relationships" xmlns:p="http://schemas.openxmlformats.org/presentationml/2006/main">
+  <p:cSld>
+    <p:spTree>
+      <p:nvGrpSpPr>
+        <p:cNvPr id="1" name=""/>
+        <p:cNvGrpSpPr/>
+        <p:nvPr/>
+      </p:nvGrpSpPr>
+      <p:grpSpPr>
+        <a:xfrm>
+          <a:off x="0" y="0"/>
+          <a:ext cx="0" cy="0"/>
+          <a:chOff x="0" y="0"/>
+          <a:chExt cx="0" cy="0"/>
+        </a:xfrm>
+      </p:grpSpPr>
+      <p:sp>
+        <p:nvSpPr>
+          <p:cNvPr id="2" name="Slide Image Placeholder 1"/>
+          <p:cNvSpPr>
+            <a:spLocks noGrp="1" noRot="1" noChangeAspect="1"/>
+          </p:cNvSpPr>
+          <p:nvPr>
+            <p:ph type="sldImg"/>
+          </p:nvPr>
+        </p:nvSpPr>
+        <p:spPr/>
+      </p:sp>
+      <p:sp>
+        <p:nvSpPr>
+          <p:cNvPr id="3" name="Notes Placeholder 2"/>
+          <p:cNvSpPr>
+            <a:spLocks noGrp="1"/>
+          </p:cNvSpPr>
+          <p:nvPr>
+            <p:ph type="body" idx="1"/>
+          </p:nvPr>
+        </p:nvSpPr>
+        <p:spPr/>
+        <p:txBody>
+          <a:bodyPr/>
+          <a:lstStyle/>
+          <a:p>
+            <a:endParaRPr lang="en-US" dirty="0"/>
+          </a:p>
+        </p:txBody>
+      </p:sp>
+      <p:sp>
+        <p:nvSpPr>
+          <p:cNvPr id="4" name="Slide Number Placeholder 3"/>
+          <p:cNvSpPr>
+            <a:spLocks noGrp="1"/>
+          </p:cNvSpPr>
+          <p:nvPr>
+            <p:ph type="sldNum" sz="quarter" idx="10"/>
+          </p:nvPr>
+        </p:nvSpPr>
+        <p:spPr/>
+        <p:txBody>
+          <a:bodyPr/>
+          <a:lstStyle/>
+          <a:p>
+            <a:fld id="{73E9330B-B1DA-214B-A229-0CB8492B91A5}" type="slidenum">
+              <a:rPr lang="en-US" smtClean="0"/>
+              <a:t>23</a:t>
             </a:fld>
             <a:endParaRPr lang="en-US" dirty="0"/>
           </a:p>
@@ -1637,7 +2600,7 @@
               <a:t>At the front, you have Chrome V8 engine (single threaded), event loop and other C/C++ libraries that run </a:t>
             </a:r>
             <a:r>
-              <a:rPr lang="en-US" b="1" i="1" dirty="0" smtClean="0">
+              <a:rPr lang="en-US" b="0" i="0" dirty="0" smtClean="0">
                 <a:effectLst/>
               </a:rPr>
               <a:t>your</a:t>
@@ -1809,51 +2772,6 @@
             </a:pPr>
             <a:r>
               <a:rPr lang="en-US" dirty="0" smtClean="0"/>
-              <a:t>Platform built on V8 engine (Chrome)</a:t>
-            </a:r>
-          </a:p>
-          <a:p>
-            <a:pPr marL="342900" indent="-342900">
-              <a:buFontTx/>
-              <a:buChar char="-"/>
-            </a:pPr>
-            <a:r>
-              <a:rPr lang="en-US" dirty="0" smtClean="0"/>
-              <a:t>Google’s open source, C++ based JavaScript engine that actually runs</a:t>
-            </a:r>
-            <a:r>
-              <a:rPr lang="en-US" i="1" dirty="0" smtClean="0"/>
-              <a:t> </a:t>
-            </a:r>
-            <a:r>
-              <a:rPr lang="en-US" dirty="0" smtClean="0"/>
-              <a:t>JavaScript. </a:t>
-            </a:r>
-          </a:p>
-          <a:p>
-            <a:pPr marL="342900" indent="-342900">
-              <a:buFontTx/>
-              <a:buChar char="-"/>
-            </a:pPr>
-            <a:r>
-              <a:rPr lang="en-US" dirty="0" smtClean="0"/>
-              <a:t>Node.js team took this C++ code and added other important libraries like TCP, HTTP and DNS to create Node.js</a:t>
-            </a:r>
-          </a:p>
-          <a:p>
-            <a:pPr marL="0" indent="0">
-              <a:buFont typeface="Arial" pitchFamily="34" charset="0"/>
-              <a:buNone/>
-            </a:pPr>
-            <a:endParaRPr lang="en-US" dirty="0" smtClean="0"/>
-          </a:p>
-          <a:p>
-            <a:pPr marL="0" indent="0">
-              <a:buFont typeface="Arial" pitchFamily="34" charset="0"/>
-              <a:buNone/>
-            </a:pPr>
-            <a:r>
-              <a:rPr lang="en-US" dirty="0" smtClean="0"/>
               <a:t>Non-blocking, event-driven I/O</a:t>
             </a:r>
           </a:p>
@@ -1945,46 +2863,6 @@
               <a:rPr lang="en-US" dirty="0" smtClean="0"/>
               <a:t>) and other C/C++ libraries that provide asynchronous I/O.</a:t>
             </a:r>
-          </a:p>
-          <a:p>
-            <a:pPr marL="0" indent="0">
-              <a:buFont typeface="Arial" pitchFamily="34" charset="0"/>
-              <a:buNone/>
-            </a:pPr>
-            <a:endParaRPr lang="en-US" dirty="0" smtClean="0"/>
-          </a:p>
-          <a:p>
-            <a:pPr marL="0" indent="0">
-              <a:buFont typeface="Arial" pitchFamily="34" charset="0"/>
-              <a:buNone/>
-            </a:pPr>
-            <a:r>
-              <a:rPr lang="en-US" dirty="0" smtClean="0"/>
-              <a:t>Designed for distributed, data-intensive, real-time applications</a:t>
-            </a:r>
-          </a:p>
-          <a:p>
-            <a:pPr marL="0" indent="0">
-              <a:buFont typeface="Arial" pitchFamily="34" charset="0"/>
-              <a:buNone/>
-            </a:pPr>
-            <a:r>
-              <a:rPr lang="en-US" dirty="0" smtClean="0"/>
-              <a:t>Services written in JavaScript</a:t>
-            </a:r>
-          </a:p>
-          <a:p>
-            <a:pPr marL="0" indent="0">
-              <a:buFont typeface="Arial" pitchFamily="34" charset="0"/>
-              <a:buNone/>
-            </a:pPr>
-            <a:r>
-              <a:rPr lang="en-US" dirty="0" smtClean="0"/>
-              <a:t>Native C++ modules for computation intensive routines</a:t>
-            </a:r>
-          </a:p>
-          <a:p>
-            <a:endParaRPr lang="en-US" dirty="0"/>
           </a:p>
         </p:txBody>
       </p:sp>
@@ -2298,9 +3176,35 @@
           <a:p>
             <a:r>
               <a:rPr lang="en-US" baseline="0" dirty="0" smtClean="0"/>
-              <a:t>The dream was to allow developers to quickly spawn the whole stack on their local workstation, on a VM network or on Amazon, each environment being as similar as possible to on another (increase development/production parity)</a:t>
-            </a:r>
-            <a:endParaRPr lang="en-US" dirty="0"/>
+              <a:t>The dream was to allow developers to quickly spawn the whole stack on their local workstation, on a VM network or on Amazon, each environment being as similar as possible to one another (increase development/production parity) -&gt; </a:t>
+            </a:r>
+            <a:r>
+              <a:rPr lang="en-US" baseline="0" dirty="0" err="1" smtClean="0"/>
+              <a:t>DevOps</a:t>
+            </a:r>
+            <a:endParaRPr lang="en-US" baseline="0" dirty="0" smtClean="0"/>
+          </a:p>
+          <a:p>
+            <a:endParaRPr lang="en-US" baseline="0" dirty="0" smtClean="0"/>
+          </a:p>
+          <a:p>
+            <a:r>
+              <a:rPr lang="en-US" baseline="0" dirty="0" smtClean="0"/>
+              <a:t>Also, the teams needs to be able to easily share components. </a:t>
+            </a:r>
+            <a:r>
+              <a:rPr lang="en-US" baseline="0" dirty="0" smtClean="0">
+                <a:solidFill>
+                  <a:srgbClr val="FF0000"/>
+                </a:solidFill>
+              </a:rPr>
+              <a:t>(to develop)</a:t>
+            </a:r>
+            <a:endParaRPr lang="en-US" dirty="0">
+              <a:solidFill>
+                <a:srgbClr val="FF0000"/>
+              </a:solidFill>
+            </a:endParaRPr>
           </a:p>
         </p:txBody>
       </p:sp>
@@ -2392,7 +3296,7 @@
           <a:p>
             <a:r>
               <a:rPr lang="en-US" dirty="0" smtClean="0"/>
-              <a:t>NOTES:</a:t>
+              <a:t>TECHNICAL NOTES:</a:t>
             </a:r>
           </a:p>
           <a:p>
@@ -2555,17 +3459,46 @@
             </a:r>
             <a:r>
               <a:rPr lang="en-US" baseline="0" dirty="0" smtClean="0"/>
-              <a:t> create symbolic link to web component that are </a:t>
+              <a:t> create symbolic link to web component that are served by the web service</a:t>
             </a:r>
             <a:r>
               <a:rPr lang="en-US" baseline="0" dirty="0" smtClean="0"/>
-              <a:t>served </a:t>
-            </a:r>
+              <a:t>.</a:t>
+            </a:r>
+          </a:p>
+          <a:p>
+            <a:endParaRPr lang="en-US" baseline="0" dirty="0" smtClean="0"/>
+          </a:p>
+          <a:p>
             <a:r>
               <a:rPr lang="en-US" baseline="0" dirty="0" smtClean="0"/>
-              <a:t>by the web service.</a:t>
-            </a:r>
-            <a:endParaRPr lang="en-US" dirty="0"/>
+              <a:t>*** To add:</a:t>
+            </a:r>
+          </a:p>
+          <a:p>
+            <a:r>
+              <a:rPr lang="en-US" baseline="0" dirty="0" smtClean="0">
+                <a:solidFill>
+                  <a:srgbClr val="FF0000"/>
+                </a:solidFill>
+              </a:rPr>
+              <a:t>1- Add workspace slide</a:t>
+            </a:r>
+          </a:p>
+          <a:p>
+            <a:r>
+              <a:rPr lang="en-US" baseline="0" dirty="0" smtClean="0">
+                <a:solidFill>
+                  <a:srgbClr val="FF0000"/>
+                </a:solidFill>
+              </a:rPr>
+              <a:t>2- Add workflow diagram (workspace set-up)</a:t>
+            </a:r>
+            <a:endParaRPr lang="en-US" dirty="0">
+              <a:solidFill>
+                <a:srgbClr val="FF0000"/>
+              </a:solidFill>
+            </a:endParaRPr>
           </a:p>
         </p:txBody>
       </p:sp>
@@ -2655,7 +3588,20 @@
             </a:r>
             <a:r>
               <a:rPr lang="en-US" baseline="0" dirty="0" smtClean="0"/>
-              <a:t> to use the same language for the task runner and for the development</a:t>
+              <a:t> to use the same language for the task runner and for the </a:t>
+            </a:r>
+            <a:r>
+              <a:rPr lang="en-US" baseline="0" dirty="0" smtClean="0"/>
+              <a:t>development</a:t>
+            </a:r>
+          </a:p>
+          <a:p>
+            <a:endParaRPr lang="en-US" baseline="0" dirty="0" smtClean="0"/>
+          </a:p>
+          <a:p>
+            <a:r>
+              <a:rPr lang="en-US" baseline="0" dirty="0" smtClean="0"/>
+              <a:t>*** Add company logos (Grunt, Electric Commander)</a:t>
             </a:r>
             <a:endParaRPr lang="en-US" dirty="0"/>
           </a:p>
@@ -5957,7 +6903,7 @@
         <p:spPr>
           <a:xfrm>
             <a:off x="812880" y="2454442"/>
-            <a:ext cx="15020678" cy="3046988"/>
+            <a:ext cx="15020678" cy="4524315"/>
           </a:xfrm>
           <a:prstGeom prst="rect">
             <a:avLst/>
@@ -5975,28 +6921,16 @@
               <a:buChar char="•"/>
             </a:pPr>
             <a:r>
-              <a:rPr lang="en-US" dirty="0"/>
-              <a:t>Leveraging </a:t>
-            </a:r>
-            <a:r>
-              <a:rPr lang="en-US" dirty="0" err="1"/>
-              <a:t>npm</a:t>
-            </a:r>
-            <a:r>
-              <a:rPr lang="en-US" dirty="0"/>
-              <a:t> </a:t>
-            </a:r>
-            <a:r>
-              <a:rPr lang="en-US" dirty="0" smtClean="0"/>
-              <a:t>power for </a:t>
-            </a:r>
-            <a:r>
-              <a:rPr lang="en-US" dirty="0"/>
-              <a:t>our </a:t>
-            </a:r>
-            <a:r>
-              <a:rPr lang="en-US" dirty="0" smtClean="0"/>
-              <a:t>needs</a:t>
+              <a:rPr lang="en-US" dirty="0" smtClean="0"/>
+              <a:t>Developer workspace + components (services/web/</a:t>
+            </a:r>
+            <a:r>
+              <a:rPr lang="en-US" dirty="0" err="1" smtClean="0"/>
+              <a:t>api</a:t>
+            </a:r>
+            <a:r>
+              <a:rPr lang="en-US" dirty="0" smtClean="0"/>
+              <a:t>)</a:t>
             </a:r>
           </a:p>
           <a:p>
@@ -6013,61 +6947,109 @@
             </a:pPr>
             <a:r>
               <a:rPr lang="en-US" dirty="0" smtClean="0"/>
-              <a:t>One </a:t>
+              <a:t>Leveraging </a:t>
+            </a:r>
+            <a:r>
+              <a:rPr lang="en-US" dirty="0" err="1"/>
+              <a:t>npm</a:t>
             </a:r>
             <a:r>
               <a:rPr lang="en-US" dirty="0"/>
-              <a:t>step </a:t>
-            </a:r>
-            <a:r>
-              <a:rPr lang="en-US" dirty="0" smtClean="0"/>
-              <a:t>installation using </a:t>
-            </a:r>
-            <a:r>
-              <a:rPr lang="en-US" dirty="0" err="1" smtClean="0"/>
-              <a:t>npm</a:t>
-            </a:r>
-            <a:r>
-              <a:rPr lang="en-US" dirty="0" smtClean="0"/>
               <a:t> </a:t>
             </a:r>
             <a:r>
-              <a:rPr lang="en-US" dirty="0" err="1" smtClean="0"/>
-              <a:t>postinstall</a:t>
-            </a:r>
-            <a:r>
-              <a:rPr lang="en-US" dirty="0" smtClean="0"/>
-              <a:t> script</a:t>
-            </a:r>
-          </a:p>
-          <a:p>
-            <a:pPr marL="0" lvl="3"/>
-            <a:endParaRPr lang="en-US" dirty="0" smtClean="0"/>
+              <a:rPr lang="en-US" dirty="0" smtClean="0"/>
+              <a:t>power for </a:t>
+            </a:r>
+            <a:r>
+              <a:rPr lang="en-US" dirty="0"/>
+              <a:t>our </a:t>
+            </a:r>
+            <a:r>
+              <a:rPr lang="en-US" dirty="0" smtClean="0"/>
+              <a:t>needs</a:t>
+            </a:r>
           </a:p>
           <a:p>
             <a:pPr marL="457200" lvl="3" indent="-457200">
               <a:buFont typeface="Arial" pitchFamily="34" charset="0"/>
               <a:buChar char="•"/>
             </a:pPr>
-            <a:r>
-              <a:rPr lang="en-US" dirty="0" smtClean="0"/>
-              <a:t>Easy to extend </a:t>
-            </a:r>
-            <a:r>
-              <a:rPr lang="en-US" dirty="0" err="1" smtClean="0"/>
-              <a:t>package.json</a:t>
-            </a:r>
-            <a:r>
-              <a:rPr lang="en-US" dirty="0" smtClean="0"/>
-              <a:t> format</a:t>
-            </a:r>
-            <a:endParaRPr lang="en-US" dirty="0"/>
+            <a:endParaRPr lang="en-US" dirty="0" smtClean="0"/>
           </a:p>
           <a:p>
             <a:pPr marL="457200" lvl="3" indent="-457200">
               <a:buFont typeface="Arial" pitchFamily="34" charset="0"/>
               <a:buChar char="•"/>
             </a:pPr>
+            <a:r>
+              <a:rPr lang="en-US" dirty="0" smtClean="0"/>
+              <a:t>One </a:t>
+            </a:r>
+            <a:r>
+              <a:rPr lang="en-US" dirty="0"/>
+              <a:t>step </a:t>
+            </a:r>
+            <a:r>
+              <a:rPr lang="en-US" dirty="0" smtClean="0"/>
+              <a:t>installation using </a:t>
+            </a:r>
+            <a:r>
+              <a:rPr lang="en-US" dirty="0" err="1" smtClean="0"/>
+              <a:t>npm</a:t>
+            </a:r>
+            <a:r>
+              <a:rPr lang="en-US" dirty="0" smtClean="0"/>
+              <a:t> </a:t>
+            </a:r>
+            <a:r>
+              <a:rPr lang="en-US" dirty="0" err="1" smtClean="0"/>
+              <a:t>postinstall</a:t>
+            </a:r>
+            <a:r>
+              <a:rPr lang="en-US" dirty="0" smtClean="0"/>
+              <a:t> script</a:t>
+            </a:r>
+          </a:p>
+          <a:p>
+            <a:pPr marL="0" lvl="3"/>
+            <a:endParaRPr lang="en-US" dirty="0" smtClean="0"/>
+          </a:p>
+          <a:p>
+            <a:pPr marL="457200" lvl="3" indent="-457200">
+              <a:buFont typeface="Arial" pitchFamily="34" charset="0"/>
+              <a:buChar char="•"/>
+            </a:pPr>
+            <a:r>
+              <a:rPr lang="en-US" dirty="0" smtClean="0"/>
+              <a:t>Easy to extend </a:t>
+            </a:r>
+            <a:r>
+              <a:rPr lang="en-US" dirty="0" err="1" smtClean="0"/>
+              <a:t>package.json</a:t>
+            </a:r>
+            <a:r>
+              <a:rPr lang="en-US" dirty="0" smtClean="0"/>
+              <a:t> format</a:t>
+            </a:r>
+            <a:endParaRPr lang="en-US" dirty="0"/>
+          </a:p>
+          <a:p>
+            <a:pPr marL="457200" lvl="3" indent="-457200">
+              <a:buFont typeface="Arial" pitchFamily="34" charset="0"/>
+              <a:buChar char="•"/>
+            </a:pPr>
+            <a:endParaRPr lang="en-US" dirty="0" smtClean="0"/>
+          </a:p>
+          <a:p>
+            <a:pPr marL="457200" lvl="3" indent="-457200">
+              <a:buFont typeface="Arial" pitchFamily="34" charset="0"/>
+              <a:buChar char="•"/>
+            </a:pPr>
+            <a:r>
+              <a:rPr lang="en-US" dirty="0" smtClean="0"/>
+              <a:t>Split between web services and static content</a:t>
+            </a:r>
             <a:endParaRPr lang="en-US" dirty="0"/>
           </a:p>
         </p:txBody>
@@ -6373,180 +7355,6 @@
           <a:chExt cx="0" cy="0"/>
         </a:xfrm>
       </p:grpSpPr>
-      <p:sp>
-        <p:nvSpPr>
-          <p:cNvPr id="3" name="Title 2"/>
-          <p:cNvSpPr>
-            <a:spLocks noGrp="1"/>
-          </p:cNvSpPr>
-          <p:nvPr>
-            <p:ph type="title"/>
-          </p:nvPr>
-        </p:nvSpPr>
-        <p:spPr/>
-        <p:txBody>
-          <a:bodyPr/>
-          <a:lstStyle/>
-          <a:p>
-            <a:r>
-              <a:rPr lang="en-US" dirty="0"/>
-              <a:t>Sharing node modules between </a:t>
-            </a:r>
-            <a:r>
-              <a:rPr lang="en-US" dirty="0" smtClean="0"/>
-              <a:t>teams</a:t>
-            </a:r>
-            <a:endParaRPr lang="en-US" dirty="0"/>
-          </a:p>
-        </p:txBody>
-      </p:sp>
-      <p:pic>
-        <p:nvPicPr>
-          <p:cNvPr id="6" name="Content Placeholder 5"/>
-          <p:cNvPicPr>
-            <a:picLocks noGrp="1" noChangeAspect="1"/>
-          </p:cNvPicPr>
-          <p:nvPr>
-            <p:ph idx="1"/>
-          </p:nvPr>
-        </p:nvPicPr>
-        <p:blipFill>
-          <a:blip r:embed="rId3">
-            <a:extLst>
-              <a:ext uri="{28A0092B-C50C-407E-A947-70E740481C1C}">
-                <a14:useLocalDpi xmlns:a14="http://schemas.microsoft.com/office/drawing/2010/main" val="0"/>
-              </a:ext>
-            </a:extLst>
-          </a:blip>
-          <a:stretch>
-            <a:fillRect/>
-          </a:stretch>
-        </p:blipFill>
-        <p:spPr>
-          <a:xfrm>
-            <a:off x="13958208" y="370333"/>
-            <a:ext cx="1486501" cy="1519852"/>
-          </a:xfrm>
-        </p:spPr>
-      </p:pic>
-      <p:sp>
-        <p:nvSpPr>
-          <p:cNvPr id="7" name="TextBox 6"/>
-          <p:cNvSpPr txBox="1"/>
-          <p:nvPr/>
-        </p:nvSpPr>
-        <p:spPr>
-          <a:xfrm>
-            <a:off x="812880" y="2454442"/>
-            <a:ext cx="15020678" cy="3046988"/>
-          </a:xfrm>
-          <a:prstGeom prst="rect">
-            <a:avLst/>
-          </a:prstGeom>
-          <a:noFill/>
-        </p:spPr>
-        <p:txBody>
-          <a:bodyPr wrap="square" rtlCol="0">
-            <a:spAutoFit/>
-          </a:bodyPr>
-          <a:lstStyle/>
-          <a:p>
-            <a:pPr marL="457200" lvl="3" indent="-457200">
-              <a:buFont typeface="Arial" pitchFamily="34" charset="0"/>
-              <a:buChar char="•"/>
-            </a:pPr>
-            <a:r>
-              <a:rPr lang="en-US" dirty="0"/>
-              <a:t>Component-based </a:t>
-            </a:r>
-            <a:r>
-              <a:rPr lang="en-US" dirty="0" smtClean="0"/>
-              <a:t>architecture</a:t>
-            </a:r>
-          </a:p>
-          <a:p>
-            <a:pPr marL="457200" lvl="3" indent="-457200">
-              <a:buFont typeface="Arial" pitchFamily="34" charset="0"/>
-              <a:buChar char="•"/>
-            </a:pPr>
-            <a:endParaRPr lang="en-US" dirty="0"/>
-          </a:p>
-          <a:p>
-            <a:pPr marL="457200" lvl="3" indent="-457200">
-              <a:buFont typeface="Arial" pitchFamily="34" charset="0"/>
-              <a:buChar char="•"/>
-            </a:pPr>
-            <a:r>
-              <a:rPr lang="en-US" dirty="0"/>
-              <a:t>Sharing </a:t>
-            </a:r>
-            <a:r>
-              <a:rPr lang="en-US" dirty="0" smtClean="0"/>
-              <a:t>node modules </a:t>
-            </a:r>
-            <a:r>
-              <a:rPr lang="en-US" dirty="0"/>
-              <a:t>without </a:t>
-            </a:r>
-            <a:r>
-              <a:rPr lang="en-US" dirty="0" err="1"/>
-              <a:t>npm</a:t>
-            </a:r>
-            <a:r>
-              <a:rPr lang="en-US" dirty="0"/>
-              <a:t> </a:t>
-            </a:r>
-            <a:r>
-              <a:rPr lang="en-US" dirty="0" smtClean="0"/>
-              <a:t>registry</a:t>
-            </a:r>
-          </a:p>
-          <a:p>
-            <a:pPr marL="457200" lvl="3" indent="-457200">
-              <a:buFont typeface="Arial" pitchFamily="34" charset="0"/>
-              <a:buChar char="•"/>
-            </a:pPr>
-            <a:endParaRPr lang="en-US" dirty="0"/>
-          </a:p>
-          <a:p>
-            <a:pPr marL="1270011" lvl="4" indent="-457200">
-              <a:buFont typeface="Arial" pitchFamily="34" charset="0"/>
-              <a:buChar char="•"/>
-            </a:pPr>
-            <a:r>
-              <a:rPr lang="en-US" dirty="0" smtClean="0"/>
-              <a:t>git.autodesk.com</a:t>
-            </a:r>
-          </a:p>
-          <a:p>
-            <a:pPr marL="1270011" lvl="4" indent="-457200">
-              <a:buFont typeface="Arial" pitchFamily="34" charset="0"/>
-              <a:buChar char="•"/>
-            </a:pPr>
-            <a:r>
-              <a:rPr lang="en-US" dirty="0" err="1" smtClean="0"/>
-              <a:t>npm</a:t>
-            </a:r>
-            <a:r>
-              <a:rPr lang="en-US" dirty="0" smtClean="0"/>
-              <a:t> fetch node module directly from a </a:t>
-            </a:r>
-            <a:r>
-              <a:rPr lang="en-US" dirty="0" err="1" smtClean="0"/>
-              <a:t>git</a:t>
-            </a:r>
-            <a:r>
-              <a:rPr lang="en-US" dirty="0" smtClean="0"/>
-              <a:t> </a:t>
-            </a:r>
-            <a:r>
-              <a:rPr lang="en-US" dirty="0" err="1" smtClean="0"/>
-              <a:t>repositry</a:t>
-            </a:r>
-            <a:endParaRPr lang="en-US" dirty="0"/>
-          </a:p>
-        </p:txBody>
-      </p:sp>
       <p:pic>
         <p:nvPicPr>
           <p:cNvPr id="5" name="Picture 4"/>
@@ -6556,7 +7364,7 @@
           <p:nvPr/>
         </p:nvPicPr>
         <p:blipFill>
-          <a:blip r:embed="rId4">
+          <a:blip r:embed="rId3">
             <a:extLst>
               <a:ext uri="{28A0092B-C50C-407E-A947-70E740481C1C}">
                 <a14:useLocalDpi xmlns:a14="http://schemas.microsoft.com/office/drawing/2010/main" val="0"/>
@@ -6577,6 +7385,180 @@
           </a:prstGeom>
         </p:spPr>
       </p:pic>
+      <p:sp>
+        <p:nvSpPr>
+          <p:cNvPr id="3" name="Title 2"/>
+          <p:cNvSpPr>
+            <a:spLocks noGrp="1"/>
+          </p:cNvSpPr>
+          <p:nvPr>
+            <p:ph type="title"/>
+          </p:nvPr>
+        </p:nvSpPr>
+        <p:spPr/>
+        <p:txBody>
+          <a:bodyPr/>
+          <a:lstStyle/>
+          <a:p>
+            <a:r>
+              <a:rPr lang="en-US" dirty="0"/>
+              <a:t>Sharing node modules between </a:t>
+            </a:r>
+            <a:r>
+              <a:rPr lang="en-US" dirty="0" smtClean="0"/>
+              <a:t>teams</a:t>
+            </a:r>
+            <a:endParaRPr lang="en-US" dirty="0"/>
+          </a:p>
+        </p:txBody>
+      </p:sp>
+      <p:pic>
+        <p:nvPicPr>
+          <p:cNvPr id="6" name="Content Placeholder 5"/>
+          <p:cNvPicPr>
+            <a:picLocks noGrp="1" noChangeAspect="1"/>
+          </p:cNvPicPr>
+          <p:nvPr>
+            <p:ph idx="1"/>
+          </p:nvPr>
+        </p:nvPicPr>
+        <p:blipFill>
+          <a:blip r:embed="rId4">
+            <a:extLst>
+              <a:ext uri="{28A0092B-C50C-407E-A947-70E740481C1C}">
+                <a14:useLocalDpi xmlns:a14="http://schemas.microsoft.com/office/drawing/2010/main" val="0"/>
+              </a:ext>
+            </a:extLst>
+          </a:blip>
+          <a:stretch>
+            <a:fillRect/>
+          </a:stretch>
+        </p:blipFill>
+        <p:spPr>
+          <a:xfrm>
+            <a:off x="13958208" y="370333"/>
+            <a:ext cx="1486501" cy="1519852"/>
+          </a:xfrm>
+        </p:spPr>
+      </p:pic>
+      <p:sp>
+        <p:nvSpPr>
+          <p:cNvPr id="7" name="TextBox 6"/>
+          <p:cNvSpPr txBox="1"/>
+          <p:nvPr/>
+        </p:nvSpPr>
+        <p:spPr>
+          <a:xfrm>
+            <a:off x="812880" y="2454442"/>
+            <a:ext cx="15020678" cy="3046988"/>
+          </a:xfrm>
+          <a:prstGeom prst="rect">
+            <a:avLst/>
+          </a:prstGeom>
+          <a:noFill/>
+        </p:spPr>
+        <p:txBody>
+          <a:bodyPr wrap="square" rtlCol="0">
+            <a:spAutoFit/>
+          </a:bodyPr>
+          <a:lstStyle/>
+          <a:p>
+            <a:pPr marL="457200" lvl="3" indent="-457200">
+              <a:buFont typeface="Arial" pitchFamily="34" charset="0"/>
+              <a:buChar char="•"/>
+            </a:pPr>
+            <a:r>
+              <a:rPr lang="en-US" dirty="0"/>
+              <a:t>Component-based </a:t>
+            </a:r>
+            <a:r>
+              <a:rPr lang="en-US" dirty="0" smtClean="0"/>
+              <a:t>architecture</a:t>
+            </a:r>
+          </a:p>
+          <a:p>
+            <a:pPr marL="457200" lvl="3" indent="-457200">
+              <a:buFont typeface="Arial" pitchFamily="34" charset="0"/>
+              <a:buChar char="•"/>
+            </a:pPr>
+            <a:endParaRPr lang="en-US" dirty="0"/>
+          </a:p>
+          <a:p>
+            <a:pPr marL="457200" lvl="3" indent="-457200">
+              <a:buFont typeface="Arial" pitchFamily="34" charset="0"/>
+              <a:buChar char="•"/>
+            </a:pPr>
+            <a:r>
+              <a:rPr lang="en-US" dirty="0"/>
+              <a:t>Sharing </a:t>
+            </a:r>
+            <a:r>
+              <a:rPr lang="en-US" dirty="0" smtClean="0"/>
+              <a:t>node modules </a:t>
+            </a:r>
+            <a:r>
+              <a:rPr lang="en-US" dirty="0"/>
+              <a:t>without </a:t>
+            </a:r>
+            <a:r>
+              <a:rPr lang="en-US" dirty="0" err="1"/>
+              <a:t>npm</a:t>
+            </a:r>
+            <a:r>
+              <a:rPr lang="en-US" dirty="0"/>
+              <a:t> </a:t>
+            </a:r>
+            <a:r>
+              <a:rPr lang="en-US" dirty="0" smtClean="0"/>
+              <a:t>registry</a:t>
+            </a:r>
+          </a:p>
+          <a:p>
+            <a:pPr marL="457200" lvl="3" indent="-457200">
+              <a:buFont typeface="Arial" pitchFamily="34" charset="0"/>
+              <a:buChar char="•"/>
+            </a:pPr>
+            <a:endParaRPr lang="en-US" dirty="0"/>
+          </a:p>
+          <a:p>
+            <a:pPr marL="1270011" lvl="4" indent="-457200">
+              <a:buFont typeface="Arial" pitchFamily="34" charset="0"/>
+              <a:buChar char="•"/>
+            </a:pPr>
+            <a:r>
+              <a:rPr lang="en-US" dirty="0" smtClean="0"/>
+              <a:t>git.autodesk.com</a:t>
+            </a:r>
+          </a:p>
+          <a:p>
+            <a:pPr marL="1270011" lvl="4" indent="-457200">
+              <a:buFont typeface="Arial" pitchFamily="34" charset="0"/>
+              <a:buChar char="•"/>
+            </a:pPr>
+            <a:r>
+              <a:rPr lang="en-US" dirty="0" err="1" smtClean="0"/>
+              <a:t>npm</a:t>
+            </a:r>
+            <a:r>
+              <a:rPr lang="en-US" dirty="0" smtClean="0"/>
+              <a:t> fetch node module directly from a </a:t>
+            </a:r>
+            <a:r>
+              <a:rPr lang="en-US" dirty="0" err="1" smtClean="0"/>
+              <a:t>git</a:t>
+            </a:r>
+            <a:r>
+              <a:rPr lang="en-US" dirty="0" smtClean="0"/>
+              <a:t> </a:t>
+            </a:r>
+            <a:r>
+              <a:rPr lang="en-US" dirty="0" err="1" smtClean="0"/>
+              <a:t>repositry</a:t>
+            </a:r>
+            <a:endParaRPr lang="en-US" dirty="0"/>
+          </a:p>
+        </p:txBody>
+      </p:sp>
     </p:spTree>
     <p:extLst>
       <p:ext uri="{BB962C8B-B14F-4D97-AF65-F5344CB8AC3E}">
@@ -6833,7 +7815,7 @@
           </p:nvPr>
         </p:nvPicPr>
         <p:blipFill>
-          <a:blip r:embed="rId2">
+          <a:blip r:embed="rId3">
             <a:extLst>
               <a:ext uri="{28A0092B-C50C-407E-A947-70E740481C1C}">
                 <a14:useLocalDpi xmlns:a14="http://schemas.microsoft.com/office/drawing/2010/main" val="0"/>
@@ -6913,19 +7895,7 @@
             </a:pPr>
             <a:r>
               <a:rPr lang="en-US" dirty="0" smtClean="0"/>
-              <a:t>Great </a:t>
-            </a:r>
-            <a:r>
-              <a:rPr lang="en-US" dirty="0" smtClean="0"/>
-              <a:t>way </a:t>
-            </a:r>
-            <a:r>
-              <a:rPr lang="en-US" dirty="0" smtClean="0"/>
-              <a:t>to quickly test </a:t>
-            </a:r>
-            <a:r>
-              <a:rPr lang="en-US" dirty="0" smtClean="0"/>
-              <a:t>Chef cookbooks</a:t>
+              <a:t>Great way to quickly test Chef cookbooks</a:t>
             </a:r>
             <a:endParaRPr lang="en-US" dirty="0"/>
           </a:p>
@@ -6940,7 +7910,7 @@
           <p:nvPr/>
         </p:nvPicPr>
         <p:blipFill>
-          <a:blip r:embed="rId3">
+          <a:blip r:embed="rId4">
             <a:extLst>
               <a:ext uri="{28A0092B-C50C-407E-A947-70E740481C1C}">
                 <a14:useLocalDpi xmlns:a14="http://schemas.microsoft.com/office/drawing/2010/main" val="0"/>
@@ -6998,6 +7968,36 @@
           <a:chExt cx="0" cy="0"/>
         </a:xfrm>
       </p:grpSpPr>
+      <p:pic>
+        <p:nvPicPr>
+          <p:cNvPr id="5" name="Picture 4"/>
+          <p:cNvPicPr>
+            <a:picLocks noChangeAspect="1"/>
+          </p:cNvPicPr>
+          <p:nvPr/>
+        </p:nvPicPr>
+        <p:blipFill>
+          <a:blip r:embed="rId2">
+            <a:extLst>
+              <a:ext uri="{28A0092B-C50C-407E-A947-70E740481C1C}">
+                <a14:useLocalDpi xmlns:a14="http://schemas.microsoft.com/office/drawing/2010/main" val="0"/>
+              </a:ext>
+            </a:extLst>
+          </a:blip>
+          <a:stretch>
+            <a:fillRect/>
+          </a:stretch>
+        </p:blipFill>
+        <p:spPr>
+          <a:xfrm>
+            <a:off x="3703093" y="241483"/>
+            <a:ext cx="7988969" cy="8168208"/>
+          </a:xfrm>
+          <a:prstGeom prst="rect">
+            <a:avLst/>
+          </a:prstGeom>
+        </p:spPr>
+      </p:pic>
       <p:sp>
         <p:nvSpPr>
           <p:cNvPr id="3" name="Title 2"/>
@@ -7015,7 +8015,7 @@
           <a:p>
             <a:r>
               <a:rPr lang="en-US" dirty="0" smtClean="0"/>
-              <a:t>Deployment - Amazon</a:t>
+              <a:t>Deployment - Chef</a:t>
             </a:r>
             <a:endParaRPr lang="en-US" dirty="0"/>
           </a:p>
@@ -7059,6 +8059,129 @@
         <p:spPr>
           <a:xfrm>
             <a:off x="812880" y="2454442"/>
+            <a:ext cx="15020678" cy="584775"/>
+          </a:xfrm>
+          <a:prstGeom prst="rect">
+            <a:avLst/>
+          </a:prstGeom>
+          <a:noFill/>
+        </p:spPr>
+        <p:txBody>
+          <a:bodyPr wrap="square" rtlCol="0">
+            <a:spAutoFit/>
+          </a:bodyPr>
+          <a:lstStyle/>
+          <a:p>
+            <a:pPr marL="457200" lvl="3" indent="-457200">
+              <a:buFont typeface="Arial" pitchFamily="34" charset="0"/>
+              <a:buChar char="•"/>
+            </a:pPr>
+            <a:r>
+              <a:rPr lang="en-US" dirty="0" smtClean="0"/>
+              <a:t>David do this!</a:t>
+            </a:r>
+            <a:endParaRPr lang="en-US" dirty="0"/>
+          </a:p>
+        </p:txBody>
+      </p:sp>
+    </p:spTree>
+    <p:extLst>
+      <p:ext uri="{BB962C8B-B14F-4D97-AF65-F5344CB8AC3E}">
+        <p14:creationId xmlns:p14="http://schemas.microsoft.com/office/powerpoint/2010/main" val="623507982"/>
+      </p:ext>
+    </p:extLst>
+  </p:cSld>
+  <p:clrMapOvr>
+    <a:masterClrMapping/>
+  </p:clrMapOvr>
+  <p:timing>
+    <p:tnLst>
+      <p:par>
+        <p:cTn id="1" dur="indefinite" restart="never" nodeType="tmRoot"/>
+      </p:par>
+    </p:tnLst>
+  </p:timing>
+</p:sld>
+</file>
+
+<file path=ppt/slides/slide16.xml><?xml version="1.0" encoding="utf-8"?>
+<p:sld xmlns:a="http://schemas.openxmlformats.org/drawingml/2006/main" xmlns:r="http://schemas.openxmlformats.org/officeDocument/2006/relationships" xmlns:p="http://schemas.openxmlformats.org/presentationml/2006/main">
+  <p:cSld>
+    <p:spTree>
+      <p:nvGrpSpPr>
+        <p:cNvPr id="1" name=""/>
+        <p:cNvGrpSpPr/>
+        <p:nvPr/>
+      </p:nvGrpSpPr>
+      <p:grpSpPr>
+        <a:xfrm>
+          <a:off x="0" y="0"/>
+          <a:ext cx="0" cy="0"/>
+          <a:chOff x="0" y="0"/>
+          <a:chExt cx="0" cy="0"/>
+        </a:xfrm>
+      </p:grpSpPr>
+      <p:sp>
+        <p:nvSpPr>
+          <p:cNvPr id="3" name="Title 2"/>
+          <p:cNvSpPr>
+            <a:spLocks noGrp="1"/>
+          </p:cNvSpPr>
+          <p:nvPr>
+            <p:ph type="title"/>
+          </p:nvPr>
+        </p:nvSpPr>
+        <p:spPr/>
+        <p:txBody>
+          <a:bodyPr/>
+          <a:lstStyle/>
+          <a:p>
+            <a:r>
+              <a:rPr lang="en-US" dirty="0" smtClean="0"/>
+              <a:t>Deployment - Amazon</a:t>
+            </a:r>
+            <a:endParaRPr lang="en-US" dirty="0"/>
+          </a:p>
+        </p:txBody>
+      </p:sp>
+      <p:pic>
+        <p:nvPicPr>
+          <p:cNvPr id="6" name="Content Placeholder 5"/>
+          <p:cNvPicPr>
+            <a:picLocks noGrp="1" noChangeAspect="1"/>
+          </p:cNvPicPr>
+          <p:nvPr>
+            <p:ph idx="1"/>
+          </p:nvPr>
+        </p:nvPicPr>
+        <p:blipFill>
+          <a:blip r:embed="rId3">
+            <a:extLst>
+              <a:ext uri="{28A0092B-C50C-407E-A947-70E740481C1C}">
+                <a14:useLocalDpi xmlns:a14="http://schemas.microsoft.com/office/drawing/2010/main" val="0"/>
+              </a:ext>
+            </a:extLst>
+          </a:blip>
+          <a:stretch>
+            <a:fillRect/>
+          </a:stretch>
+        </p:blipFill>
+        <p:spPr>
+          <a:xfrm>
+            <a:off x="13958208" y="370333"/>
+            <a:ext cx="1486501" cy="1519852"/>
+          </a:xfrm>
+        </p:spPr>
+      </p:pic>
+      <p:sp>
+        <p:nvSpPr>
+          <p:cNvPr id="7" name="TextBox 6"/>
+          <p:cNvSpPr txBox="1"/>
+          <p:nvPr/>
+        </p:nvSpPr>
+        <p:spPr>
+          <a:xfrm>
+            <a:off x="812880" y="2454442"/>
             <a:ext cx="15020678" cy="3539430"/>
           </a:xfrm>
           <a:prstGeom prst="rect">
@@ -7112,23 +8235,7 @@
             </a:pPr>
             <a:r>
               <a:rPr lang="en-US" dirty="0" smtClean="0"/>
-              <a:t>EC2 instance are </a:t>
-            </a:r>
-            <a:r>
-              <a:rPr lang="en-US" dirty="0" smtClean="0"/>
-              <a:t>provisioned </a:t>
-            </a:r>
-            <a:r>
-              <a:rPr lang="en-US" dirty="0" smtClean="0"/>
-              <a:t>from </a:t>
-            </a:r>
-            <a:r>
-              <a:rPr lang="en-US" dirty="0" smtClean="0"/>
-              <a:t>vanilla Ubuntu using </a:t>
-            </a:r>
-            <a:r>
-              <a:rPr lang="en-US" dirty="0" smtClean="0"/>
-              <a:t>Chef</a:t>
+              <a:t>EC2 instance are provisioned from vanilla Ubuntu using Chef</a:t>
             </a:r>
           </a:p>
           <a:p>
@@ -7145,19 +8252,7 @@
             </a:pPr>
             <a:r>
               <a:rPr lang="en-US" dirty="0" smtClean="0"/>
-              <a:t>Route53 provide </a:t>
-            </a:r>
-            <a:r>
-              <a:rPr lang="en-US" dirty="0" smtClean="0"/>
-              <a:t>DNS</a:t>
-            </a:r>
-            <a:r>
-              <a:rPr lang="en-US" dirty="0" smtClean="0"/>
-              <a:t> </a:t>
-            </a:r>
-            <a:r>
-              <a:rPr lang="en-US" dirty="0" smtClean="0"/>
-              <a:t>for each stack like test.sandbox.scotty.mecs.autodesk.com</a:t>
+              <a:t>Route53 provide DNS for each stack like test.sandbox.scotty.mecs.autodesk.com</a:t>
             </a:r>
             <a:endParaRPr lang="en-US" dirty="0"/>
           </a:p>
@@ -7213,7 +8308,7 @@
 </p:sld>
 </file>
 
-<file path=ppt/slides/slide16.xml><?xml version="1.0" encoding="utf-8"?>
+<file path=ppt/slides/slide17.xml><?xml version="1.0" encoding="utf-8"?>
 <p:sld xmlns:a="http://schemas.openxmlformats.org/drawingml/2006/main" xmlns:r="http://schemas.openxmlformats.org/officeDocument/2006/relationships" xmlns:p="http://schemas.openxmlformats.org/presentationml/2006/main">
   <p:cSld>
     <p:spTree>
@@ -7338,14 +8433,12 @@
             <a:off x="1506535" y="1761848"/>
             <a:ext cx="12289673" cy="6151190"/>
           </a:xfrm>
-          <a:prstGeom prst="snip2DiagRect">
-            <a:avLst/>
+          <a:prstGeom prst="round2DiagRect">
+            <a:avLst>
+              <a:gd name="adj1" fmla="val 16667"/>
+              <a:gd name="adj2" fmla="val 0"/>
+            </a:avLst>
           </a:prstGeom>
-          <a:solidFill>
-            <a:srgbClr val="FFFFFF">
-              <a:shade val="85000"/>
-            </a:srgbClr>
-          </a:solidFill>
           <a:ln w="88900" cap="sq">
             <a:solidFill>
               <a:srgbClr val="FFFFFF"/>
@@ -7353,24 +8446,12 @@
             <a:miter lim="800000"/>
           </a:ln>
           <a:effectLst>
-            <a:outerShdw blurRad="88900" algn="tl" rotWithShape="0">
+            <a:outerShdw blurRad="254000" algn="tl" rotWithShape="0">
               <a:srgbClr val="000000">
-                <a:alpha val="45000"/>
+                <a:alpha val="43000"/>
               </a:srgbClr>
             </a:outerShdw>
           </a:effectLst>
-          <a:scene3d>
-            <a:camera prst="orthographicFront"/>
-            <a:lightRig rig="twoPt" dir="t">
-              <a:rot lat="0" lon="0" rev="7200000"/>
-            </a:lightRig>
-          </a:scene3d>
-          <a:sp3d>
-            <a:bevelT w="25400" h="19050"/>
-            <a:contourClr>
-              <a:srgbClr val="FFFFFF"/>
-            </a:contourClr>
-          </a:sp3d>
           <a:extLst/>
         </p:spPr>
       </p:pic>
@@ -7394,7 +8475,7 @@
 </p:sld>
 </file>
 
-<file path=ppt/slides/slide17.xml><?xml version="1.0" encoding="utf-8"?>
+<file path=ppt/slides/slide18.xml><?xml version="1.0" encoding="utf-8"?>
 <p:sld xmlns:a="http://schemas.openxmlformats.org/drawingml/2006/main" xmlns:r="http://schemas.openxmlformats.org/officeDocument/2006/relationships" xmlns:p="http://schemas.openxmlformats.org/presentationml/2006/main">
   <p:cSld>
     <p:spTree>
@@ -7428,11 +8509,7 @@
           <a:p>
             <a:r>
               <a:rPr lang="en-US" dirty="0" smtClean="0"/>
-              <a:t>Deployment – </a:t>
-            </a:r>
-            <a:r>
-              <a:rPr lang="en-US" dirty="0" smtClean="0"/>
-              <a:t>Application Configuration</a:t>
+              <a:t>Deployment – Application Configuration</a:t>
             </a:r>
             <a:endParaRPr lang="en-US" dirty="0"/>
           </a:p>
@@ -7594,7 +8671,377 @@
 </p:sld>
 </file>
 
-<file path=ppt/slides/slide18.xml><?xml version="1.0" encoding="utf-8"?>
+<file path=ppt/slides/slide19.xml><?xml version="1.0" encoding="utf-8"?>
+<p:sld xmlns:a="http://schemas.openxmlformats.org/drawingml/2006/main" xmlns:r="http://schemas.openxmlformats.org/officeDocument/2006/relationships" xmlns:p="http://schemas.openxmlformats.org/presentationml/2006/main">
+  <p:cSld>
+    <p:spTree>
+      <p:nvGrpSpPr>
+        <p:cNvPr id="1" name=""/>
+        <p:cNvGrpSpPr/>
+        <p:nvPr/>
+      </p:nvGrpSpPr>
+      <p:grpSpPr>
+        <a:xfrm>
+          <a:off x="0" y="0"/>
+          <a:ext cx="0" cy="0"/>
+          <a:chOff x="0" y="0"/>
+          <a:chExt cx="0" cy="0"/>
+        </a:xfrm>
+      </p:grpSpPr>
+      <p:pic>
+        <p:nvPicPr>
+          <p:cNvPr id="5" name="Picture 4"/>
+          <p:cNvPicPr>
+            <a:picLocks noChangeAspect="1"/>
+          </p:cNvPicPr>
+          <p:nvPr/>
+        </p:nvPicPr>
+        <p:blipFill>
+          <a:blip r:embed="rId3">
+            <a:extLst>
+              <a:ext uri="{28A0092B-C50C-407E-A947-70E740481C1C}">
+                <a14:useLocalDpi xmlns:a14="http://schemas.microsoft.com/office/drawing/2010/main" val="0"/>
+              </a:ext>
+            </a:extLst>
+          </a:blip>
+          <a:stretch>
+            <a:fillRect/>
+          </a:stretch>
+        </p:blipFill>
+        <p:spPr>
+          <a:xfrm>
+            <a:off x="3703092" y="241483"/>
+            <a:ext cx="7988969" cy="8168208"/>
+          </a:xfrm>
+          <a:prstGeom prst="rect">
+            <a:avLst/>
+          </a:prstGeom>
+        </p:spPr>
+      </p:pic>
+      <p:sp>
+        <p:nvSpPr>
+          <p:cNvPr id="3" name="Title 2"/>
+          <p:cNvSpPr>
+            <a:spLocks noGrp="1"/>
+          </p:cNvSpPr>
+          <p:nvPr>
+            <p:ph type="title"/>
+          </p:nvPr>
+        </p:nvSpPr>
+        <p:spPr/>
+        <p:txBody>
+          <a:bodyPr/>
+          <a:lstStyle/>
+          <a:p>
+            <a:r>
+              <a:rPr lang="en-US" dirty="0" smtClean="0"/>
+              <a:t>Conclusion</a:t>
+            </a:r>
+            <a:endParaRPr lang="en-US" dirty="0"/>
+          </a:p>
+        </p:txBody>
+      </p:sp>
+      <p:pic>
+        <p:nvPicPr>
+          <p:cNvPr id="6" name="Content Placeholder 5"/>
+          <p:cNvPicPr>
+            <a:picLocks noGrp="1" noChangeAspect="1"/>
+          </p:cNvPicPr>
+          <p:nvPr>
+            <p:ph idx="1"/>
+          </p:nvPr>
+        </p:nvPicPr>
+        <p:blipFill>
+          <a:blip r:embed="rId4">
+            <a:extLst>
+              <a:ext uri="{28A0092B-C50C-407E-A947-70E740481C1C}">
+                <a14:useLocalDpi xmlns:a14="http://schemas.microsoft.com/office/drawing/2010/main" val="0"/>
+              </a:ext>
+            </a:extLst>
+          </a:blip>
+          <a:stretch>
+            <a:fillRect/>
+          </a:stretch>
+        </p:blipFill>
+        <p:spPr>
+          <a:xfrm>
+            <a:off x="13958208" y="370333"/>
+            <a:ext cx="1486501" cy="1519852"/>
+          </a:xfrm>
+        </p:spPr>
+      </p:pic>
+      <p:sp>
+        <p:nvSpPr>
+          <p:cNvPr id="7" name="TextBox 6"/>
+          <p:cNvSpPr txBox="1"/>
+          <p:nvPr/>
+        </p:nvSpPr>
+        <p:spPr>
+          <a:xfrm>
+            <a:off x="812880" y="2454442"/>
+            <a:ext cx="15020678" cy="584775"/>
+          </a:xfrm>
+          <a:prstGeom prst="rect">
+            <a:avLst/>
+          </a:prstGeom>
+          <a:noFill/>
+        </p:spPr>
+        <p:txBody>
+          <a:bodyPr wrap="square" rtlCol="0">
+            <a:spAutoFit/>
+          </a:bodyPr>
+          <a:lstStyle/>
+          <a:p>
+            <a:pPr marL="457200" lvl="3" indent="-457200">
+              <a:buFont typeface="Arial" pitchFamily="34" charset="0"/>
+              <a:buChar char="•"/>
+            </a:pPr>
+            <a:r>
+              <a:rPr lang="en-US" dirty="0" smtClean="0"/>
+              <a:t>David</a:t>
+            </a:r>
+            <a:endParaRPr lang="en-US" dirty="0"/>
+          </a:p>
+        </p:txBody>
+      </p:sp>
+    </p:spTree>
+    <p:extLst>
+      <p:ext uri="{BB962C8B-B14F-4D97-AF65-F5344CB8AC3E}">
+        <p14:creationId xmlns:p14="http://schemas.microsoft.com/office/powerpoint/2010/main" val="3236846956"/>
+      </p:ext>
+    </p:extLst>
+  </p:cSld>
+  <p:clrMapOvr>
+    <a:masterClrMapping/>
+  </p:clrMapOvr>
+  <p:timing>
+    <p:tnLst>
+      <p:par>
+        <p:cTn id="1" dur="indefinite" restart="never" nodeType="tmRoot"/>
+      </p:par>
+    </p:tnLst>
+  </p:timing>
+</p:sld>
+</file>
+
+<file path=ppt/slides/slide2.xml><?xml version="1.0" encoding="utf-8"?>
+<p:sld xmlns:a="http://schemas.openxmlformats.org/drawingml/2006/main" xmlns:r="http://schemas.openxmlformats.org/officeDocument/2006/relationships" xmlns:p="http://schemas.openxmlformats.org/presentationml/2006/main">
+  <p:cSld>
+    <p:spTree>
+      <p:nvGrpSpPr>
+        <p:cNvPr id="1" name=""/>
+        <p:cNvGrpSpPr/>
+        <p:nvPr/>
+      </p:nvGrpSpPr>
+      <p:grpSpPr>
+        <a:xfrm>
+          <a:off x="0" y="0"/>
+          <a:ext cx="0" cy="0"/>
+          <a:chOff x="0" y="0"/>
+          <a:chExt cx="0" cy="0"/>
+        </a:xfrm>
+      </p:grpSpPr>
+      <p:sp>
+        <p:nvSpPr>
+          <p:cNvPr id="3" name="Title 2"/>
+          <p:cNvSpPr>
+            <a:spLocks noGrp="1"/>
+          </p:cNvSpPr>
+          <p:nvPr>
+            <p:ph type="title"/>
+          </p:nvPr>
+        </p:nvSpPr>
+        <p:spPr/>
+        <p:txBody>
+          <a:bodyPr/>
+          <a:lstStyle/>
+          <a:p>
+            <a:r>
+              <a:rPr lang="en-US" dirty="0" smtClean="0"/>
+              <a:t>M&amp;E Cloud Services - Context</a:t>
+            </a:r>
+            <a:endParaRPr lang="en-US" dirty="0"/>
+          </a:p>
+        </p:txBody>
+      </p:sp>
+      <p:pic>
+        <p:nvPicPr>
+          <p:cNvPr id="6" name="Content Placeholder 5"/>
+          <p:cNvPicPr>
+            <a:picLocks noGrp="1" noChangeAspect="1"/>
+          </p:cNvPicPr>
+          <p:nvPr>
+            <p:ph idx="1"/>
+          </p:nvPr>
+        </p:nvPicPr>
+        <p:blipFill>
+          <a:blip r:embed="rId3">
+            <a:extLst>
+              <a:ext uri="{28A0092B-C50C-407E-A947-70E740481C1C}">
+                <a14:useLocalDpi xmlns:a14="http://schemas.microsoft.com/office/drawing/2010/main" val="0"/>
+              </a:ext>
+            </a:extLst>
+          </a:blip>
+          <a:stretch>
+            <a:fillRect/>
+          </a:stretch>
+        </p:blipFill>
+        <p:spPr>
+          <a:xfrm>
+            <a:off x="13958208" y="370333"/>
+            <a:ext cx="1486501" cy="1519852"/>
+          </a:xfrm>
+        </p:spPr>
+      </p:pic>
+      <p:sp>
+        <p:nvSpPr>
+          <p:cNvPr id="7" name="TextBox 6"/>
+          <p:cNvSpPr txBox="1"/>
+          <p:nvPr/>
+        </p:nvSpPr>
+        <p:spPr>
+          <a:xfrm>
+            <a:off x="812880" y="2454442"/>
+            <a:ext cx="15020678" cy="4031873"/>
+          </a:xfrm>
+          <a:prstGeom prst="rect">
+            <a:avLst/>
+          </a:prstGeom>
+          <a:noFill/>
+        </p:spPr>
+        <p:txBody>
+          <a:bodyPr wrap="square" rtlCol="0">
+            <a:spAutoFit/>
+          </a:bodyPr>
+          <a:lstStyle/>
+          <a:p>
+            <a:pPr marL="457200" indent="-457200">
+              <a:buFont typeface="Arial" pitchFamily="34" charset="0"/>
+              <a:buChar char="•"/>
+            </a:pPr>
+            <a:r>
+              <a:rPr lang="en-US" dirty="0" smtClean="0"/>
+              <a:t>Kick-off of a new 20+ developers initiative</a:t>
+            </a:r>
+          </a:p>
+          <a:p>
+            <a:pPr marL="457200" indent="-457200">
+              <a:buFont typeface="Arial" pitchFamily="34" charset="0"/>
+              <a:buChar char="•"/>
+            </a:pPr>
+            <a:endParaRPr lang="en-US" dirty="0"/>
+          </a:p>
+          <a:p>
+            <a:pPr marL="457200" indent="-457200">
+              <a:buFont typeface="Arial" pitchFamily="34" charset="0"/>
+              <a:buChar char="•"/>
+            </a:pPr>
+            <a:r>
+              <a:rPr lang="en-US" dirty="0" smtClean="0"/>
+              <a:t>Most developers have no web development experience</a:t>
+            </a:r>
+          </a:p>
+          <a:p>
+            <a:pPr marL="457200" indent="-457200">
+              <a:buFont typeface="Arial" pitchFamily="34" charset="0"/>
+              <a:buChar char="•"/>
+            </a:pPr>
+            <a:endParaRPr lang="en-US" dirty="0"/>
+          </a:p>
+          <a:p>
+            <a:pPr marL="457200" indent="-457200">
+              <a:buFont typeface="Arial" pitchFamily="34" charset="0"/>
+              <a:buChar char="•"/>
+            </a:pPr>
+            <a:r>
+              <a:rPr lang="en-US" dirty="0" smtClean="0"/>
+              <a:t>Our goal</a:t>
+            </a:r>
+          </a:p>
+          <a:p>
+            <a:pPr marL="1270010" lvl="1" indent="-457200">
+              <a:buFont typeface="Arial" pitchFamily="34" charset="0"/>
+              <a:buChar char="•"/>
+            </a:pPr>
+            <a:r>
+              <a:rPr lang="en-US" dirty="0" smtClean="0"/>
+              <a:t>Ensure shortest learning curve possible</a:t>
+            </a:r>
+          </a:p>
+          <a:p>
+            <a:pPr marL="1270010" lvl="1" indent="-457200">
+              <a:buFont typeface="Arial" pitchFamily="34" charset="0"/>
+              <a:buChar char="•"/>
+            </a:pPr>
+            <a:r>
+              <a:rPr lang="en-US" dirty="0" smtClean="0"/>
+              <a:t>Allow extensive reuse of web components</a:t>
+            </a:r>
+          </a:p>
+          <a:p>
+            <a:pPr marL="1270010" lvl="1" indent="-457200">
+              <a:buFont typeface="Arial" pitchFamily="34" charset="0"/>
+              <a:buChar char="•"/>
+            </a:pPr>
+            <a:r>
+              <a:rPr lang="en-US" dirty="0" smtClean="0"/>
+              <a:t>Facilitate fast development cycle of micro-services</a:t>
+            </a:r>
+            <a:endParaRPr lang="en-US" dirty="0"/>
+          </a:p>
+        </p:txBody>
+      </p:sp>
+      <p:pic>
+        <p:nvPicPr>
+          <p:cNvPr id="4" name="Picture 3"/>
+          <p:cNvPicPr>
+            <a:picLocks noChangeAspect="1"/>
+          </p:cNvPicPr>
+          <p:nvPr/>
+        </p:nvPicPr>
+        <p:blipFill>
+          <a:blip r:embed="rId4">
+            <a:extLst>
+              <a:ext uri="{28A0092B-C50C-407E-A947-70E740481C1C}">
+                <a14:useLocalDpi xmlns:a14="http://schemas.microsoft.com/office/drawing/2010/main" val="0"/>
+              </a:ext>
+            </a:extLst>
+          </a:blip>
+          <a:stretch>
+            <a:fillRect/>
+          </a:stretch>
+        </p:blipFill>
+        <p:spPr>
+          <a:xfrm>
+            <a:off x="3703093" y="241483"/>
+            <a:ext cx="7988969" cy="8168208"/>
+          </a:xfrm>
+          <a:prstGeom prst="rect">
+            <a:avLst/>
+          </a:prstGeom>
+        </p:spPr>
+      </p:pic>
+    </p:spTree>
+    <p:extLst>
+      <p:ext uri="{BB962C8B-B14F-4D97-AF65-F5344CB8AC3E}">
+        <p14:creationId xmlns:p14="http://schemas.microsoft.com/office/powerpoint/2010/main" val="2338802276"/>
+      </p:ext>
+    </p:extLst>
+  </p:cSld>
+  <p:clrMapOvr>
+    <a:masterClrMapping/>
+  </p:clrMapOvr>
+  <p:timing>
+    <p:tnLst>
+      <p:par>
+        <p:cTn id="1" dur="indefinite" restart="never" nodeType="tmRoot"/>
+      </p:par>
+    </p:tnLst>
+  </p:timing>
+</p:sld>
+</file>
+
+<file path=ppt/slides/slide20.xml><?xml version="1.0" encoding="utf-8"?>
 <p:sld xmlns:a="http://schemas.openxmlformats.org/drawingml/2006/main" xmlns:r="http://schemas.openxmlformats.org/officeDocument/2006/relationships" xmlns:p="http://schemas.openxmlformats.org/presentationml/2006/main">
   <p:cSld>
     <p:spTree>
@@ -7683,7 +9130,7 @@
 </p:sld>
 </file>
 
-<file path=ppt/slides/slide19.xml><?xml version="1.0" encoding="utf-8"?>
+<file path=ppt/slides/slide21.xml><?xml version="1.0" encoding="utf-8"?>
 <p:sld xmlns:a="http://schemas.openxmlformats.org/drawingml/2006/main" xmlns:r="http://schemas.openxmlformats.org/officeDocument/2006/relationships" xmlns:p="http://schemas.openxmlformats.org/presentationml/2006/main">
   <p:cSld>
     <p:spTree>
@@ -7802,224 +9249,7 @@
 </p:sld>
 </file>
 
-<file path=ppt/slides/slide2.xml><?xml version="1.0" encoding="utf-8"?>
-<p:sld xmlns:a="http://schemas.openxmlformats.org/drawingml/2006/main" xmlns:r="http://schemas.openxmlformats.org/officeDocument/2006/relationships" xmlns:p="http://schemas.openxmlformats.org/presentationml/2006/main">
-  <p:cSld>
-    <p:spTree>
-      <p:nvGrpSpPr>
-        <p:cNvPr id="1" name=""/>
-        <p:cNvGrpSpPr/>
-        <p:nvPr/>
-      </p:nvGrpSpPr>
-      <p:grpSpPr>
-        <a:xfrm>
-          <a:off x="0" y="0"/>
-          <a:ext cx="0" cy="0"/>
-          <a:chOff x="0" y="0"/>
-          <a:chExt cx="0" cy="0"/>
-        </a:xfrm>
-      </p:grpSpPr>
-      <p:sp>
-        <p:nvSpPr>
-          <p:cNvPr id="3" name="Title 2"/>
-          <p:cNvSpPr>
-            <a:spLocks noGrp="1"/>
-          </p:cNvSpPr>
-          <p:nvPr>
-            <p:ph type="title"/>
-          </p:nvPr>
-        </p:nvSpPr>
-        <p:spPr/>
-        <p:txBody>
-          <a:bodyPr/>
-          <a:lstStyle/>
-          <a:p>
-            <a:r>
-              <a:rPr lang="en-US" dirty="0" smtClean="0"/>
-              <a:t>M&amp;E Cloud Services - Context</a:t>
-            </a:r>
-            <a:endParaRPr lang="en-US" dirty="0"/>
-          </a:p>
-        </p:txBody>
-      </p:sp>
-      <p:pic>
-        <p:nvPicPr>
-          <p:cNvPr id="6" name="Content Placeholder 5"/>
-          <p:cNvPicPr>
-            <a:picLocks noGrp="1" noChangeAspect="1"/>
-          </p:cNvPicPr>
-          <p:nvPr>
-            <p:ph idx="1"/>
-          </p:nvPr>
-        </p:nvPicPr>
-        <p:blipFill>
-          <a:blip r:embed="rId3">
-            <a:extLst>
-              <a:ext uri="{28A0092B-C50C-407E-A947-70E740481C1C}">
-                <a14:useLocalDpi xmlns:a14="http://schemas.microsoft.com/office/drawing/2010/main" val="0"/>
-              </a:ext>
-            </a:extLst>
-          </a:blip>
-          <a:stretch>
-            <a:fillRect/>
-          </a:stretch>
-        </p:blipFill>
-        <p:spPr>
-          <a:xfrm>
-            <a:off x="13958208" y="370333"/>
-            <a:ext cx="1486501" cy="1519852"/>
-          </a:xfrm>
-        </p:spPr>
-      </p:pic>
-      <p:sp>
-        <p:nvSpPr>
-          <p:cNvPr id="7" name="TextBox 6"/>
-          <p:cNvSpPr txBox="1"/>
-          <p:nvPr/>
-        </p:nvSpPr>
-        <p:spPr>
-          <a:xfrm>
-            <a:off x="812880" y="2454442"/>
-            <a:ext cx="15020678" cy="4031873"/>
-          </a:xfrm>
-          <a:prstGeom prst="rect">
-            <a:avLst/>
-          </a:prstGeom>
-          <a:noFill/>
-        </p:spPr>
-        <p:txBody>
-          <a:bodyPr wrap="square" rtlCol="0">
-            <a:spAutoFit/>
-          </a:bodyPr>
-          <a:lstStyle/>
-          <a:p>
-            <a:pPr marL="457200" indent="-457200">
-              <a:buFont typeface="Arial" pitchFamily="34" charset="0"/>
-              <a:buChar char="•"/>
-            </a:pPr>
-            <a:r>
-              <a:rPr lang="en-US" dirty="0" smtClean="0"/>
-              <a:t>Kick-off of a new 20+ developers initiative</a:t>
-            </a:r>
-          </a:p>
-          <a:p>
-            <a:pPr marL="457200" indent="-457200">
-              <a:buFont typeface="Arial" pitchFamily="34" charset="0"/>
-              <a:buChar char="•"/>
-            </a:pPr>
-            <a:endParaRPr lang="en-US" dirty="0"/>
-          </a:p>
-          <a:p>
-            <a:pPr marL="457200" indent="-457200">
-              <a:buFont typeface="Arial" pitchFamily="34" charset="0"/>
-              <a:buChar char="•"/>
-            </a:pPr>
-            <a:r>
-              <a:rPr lang="en-US" dirty="0" smtClean="0"/>
-              <a:t>Most developers have no web development experience</a:t>
-            </a:r>
-          </a:p>
-          <a:p>
-            <a:pPr marL="457200" indent="-457200">
-              <a:buFont typeface="Arial" pitchFamily="34" charset="0"/>
-              <a:buChar char="•"/>
-            </a:pPr>
-            <a:endParaRPr lang="en-US" dirty="0"/>
-          </a:p>
-          <a:p>
-            <a:pPr marL="457200" indent="-457200">
-              <a:buFont typeface="Arial" pitchFamily="34" charset="0"/>
-              <a:buChar char="•"/>
-            </a:pPr>
-            <a:r>
-              <a:rPr lang="en-US" dirty="0" smtClean="0"/>
-              <a:t>Our goal</a:t>
-            </a:r>
-          </a:p>
-          <a:p>
-            <a:pPr marL="1270010" lvl="1" indent="-457200">
-              <a:buFont typeface="Arial" pitchFamily="34" charset="0"/>
-              <a:buChar char="•"/>
-            </a:pPr>
-            <a:r>
-              <a:rPr lang="en-US" dirty="0" smtClean="0"/>
-              <a:t>Ensure shortest learning curve possible</a:t>
-            </a:r>
-          </a:p>
-          <a:p>
-            <a:pPr marL="1270010" lvl="1" indent="-457200">
-              <a:buFont typeface="Arial" pitchFamily="34" charset="0"/>
-              <a:buChar char="•"/>
-            </a:pPr>
-            <a:r>
-              <a:rPr lang="en-US" dirty="0" smtClean="0"/>
-              <a:t>Allow extensive reuse of web components</a:t>
-            </a:r>
-          </a:p>
-          <a:p>
-            <a:pPr marL="1270010" lvl="1" indent="-457200">
-              <a:buFont typeface="Arial" pitchFamily="34" charset="0"/>
-              <a:buChar char="•"/>
-            </a:pPr>
-            <a:r>
-              <a:rPr lang="en-US" dirty="0" smtClean="0"/>
-              <a:t>Facilitate fast development cycle of micro-services</a:t>
-            </a:r>
-            <a:endParaRPr lang="en-US" dirty="0"/>
-          </a:p>
-        </p:txBody>
-      </p:sp>
-      <p:pic>
-        <p:nvPicPr>
-          <p:cNvPr id="4" name="Picture 3"/>
-          <p:cNvPicPr>
-            <a:picLocks noChangeAspect="1"/>
-          </p:cNvPicPr>
-          <p:nvPr/>
-        </p:nvPicPr>
-        <p:blipFill>
-          <a:blip r:embed="rId4">
-            <a:extLst>
-              <a:ext uri="{28A0092B-C50C-407E-A947-70E740481C1C}">
-                <a14:useLocalDpi xmlns:a14="http://schemas.microsoft.com/office/drawing/2010/main" val="0"/>
-              </a:ext>
-            </a:extLst>
-          </a:blip>
-          <a:stretch>
-            <a:fillRect/>
-          </a:stretch>
-        </p:blipFill>
-        <p:spPr>
-          <a:xfrm>
-            <a:off x="3703093" y="241483"/>
-            <a:ext cx="7988969" cy="8168208"/>
-          </a:xfrm>
-          <a:prstGeom prst="rect">
-            <a:avLst/>
-          </a:prstGeom>
-        </p:spPr>
-      </p:pic>
-    </p:spTree>
-    <p:extLst>
-      <p:ext uri="{BB962C8B-B14F-4D97-AF65-F5344CB8AC3E}">
-        <p14:creationId xmlns:p14="http://schemas.microsoft.com/office/powerpoint/2010/main" val="3722677169"/>
-      </p:ext>
-    </p:extLst>
-  </p:cSld>
-  <p:clrMapOvr>
-    <a:masterClrMapping/>
-  </p:clrMapOvr>
-  <p:timing>
-    <p:tnLst>
-      <p:par>
-        <p:cTn id="1" dur="indefinite" restart="never" nodeType="tmRoot"/>
-      </p:par>
-    </p:tnLst>
-  </p:timing>
-</p:sld>
-</file>
-
-<file path=ppt/slides/slide20.xml><?xml version="1.0" encoding="utf-8"?>
+<file path=ppt/slides/slide22.xml><?xml version="1.0" encoding="utf-8"?>
 <p:sld xmlns:a="http://schemas.openxmlformats.org/drawingml/2006/main" xmlns:r="http://schemas.openxmlformats.org/officeDocument/2006/relationships" xmlns:p="http://schemas.openxmlformats.org/presentationml/2006/main">
   <p:cSld>
     <p:spTree>
@@ -8617,7 +9847,7 @@
 </p:sld>
 </file>
 
-<file path=ppt/slides/slide21.xml><?xml version="1.0" encoding="utf-8"?>
+<file path=ppt/slides/slide23.xml><?xml version="1.0" encoding="utf-8"?>
 <p:sld xmlns:a="http://schemas.openxmlformats.org/drawingml/2006/main" xmlns:r="http://schemas.openxmlformats.org/officeDocument/2006/relationships" xmlns:p="http://schemas.openxmlformats.org/presentationml/2006/main">
   <p:cSld>
     <p:spTree>
@@ -8821,7 +10051,7 @@
 </p:sld>
 </file>
 
-<file path=ppt/slides/slide22.xml><?xml version="1.0" encoding="utf-8"?>
+<file path=ppt/slides/slide24.xml><?xml version="1.0" encoding="utf-8"?>
 <p:sld xmlns:a="http://schemas.openxmlformats.org/drawingml/2006/main" xmlns:r="http://schemas.openxmlformats.org/officeDocument/2006/relationships" xmlns:p="http://schemas.openxmlformats.org/presentationml/2006/main">
   <p:cSld>
     <p:spTree>
@@ -8974,7 +10204,7 @@
 </p:sld>
 </file>
 
-<file path=ppt/slides/slide23.xml><?xml version="1.0" encoding="utf-8"?>
+<file path=ppt/slides/slide25.xml><?xml version="1.0" encoding="utf-8"?>
 <p:sld xmlns:a="http://schemas.openxmlformats.org/drawingml/2006/main" xmlns:r="http://schemas.openxmlformats.org/officeDocument/2006/relationships" xmlns:p="http://schemas.openxmlformats.org/presentationml/2006/main">
   <p:cSld>
     <p:spTree>
@@ -9239,7 +10469,7 @@
 </p:sld>
 </file>
 
-<file path=ppt/slides/slide24.xml><?xml version="1.0" encoding="utf-8"?>
+<file path=ppt/slides/slide26.xml><?xml version="1.0" encoding="utf-8"?>
 <p:sld xmlns:a="http://schemas.openxmlformats.org/drawingml/2006/main" xmlns:r="http://schemas.openxmlformats.org/officeDocument/2006/relationships" xmlns:p="http://schemas.openxmlformats.org/presentationml/2006/main">
   <p:cSld>
     <p:spTree>
@@ -9434,7 +10664,7 @@
 </p:sld>
 </file>
 
-<file path=ppt/slides/slide25.xml><?xml version="1.0" encoding="utf-8"?>
+<file path=ppt/slides/slide27.xml><?xml version="1.0" encoding="utf-8"?>
 <p:sld xmlns:a="http://schemas.openxmlformats.org/drawingml/2006/main" xmlns:r="http://schemas.openxmlformats.org/officeDocument/2006/relationships" xmlns:p="http://schemas.openxmlformats.org/presentationml/2006/main">
   <p:cSld>
     <p:spTree>
@@ -9655,7 +10885,7 @@
     </p:spTree>
     <p:extLst>
       <p:ext uri="{BB962C8B-B14F-4D97-AF65-F5344CB8AC3E}">
-        <p14:creationId xmlns:p14="http://schemas.microsoft.com/office/powerpoint/2010/main" val="1563961945"/>
+        <p14:creationId xmlns:p14="http://schemas.microsoft.com/office/powerpoint/2010/main" val="582373330"/>
       </p:ext>
     </p:extLst>
   </p:cSld>
@@ -9772,29 +11002,10 @@
           </a:prstGeom>
         </p:spPr>
       </p:pic>
-      <p:sp>
-        <p:nvSpPr>
-          <p:cNvPr id="5" name="Content Placeholder 4"/>
-          <p:cNvSpPr>
-            <a:spLocks noGrp="1"/>
-          </p:cNvSpPr>
-          <p:nvPr>
-            <p:ph idx="1"/>
-          </p:nvPr>
-        </p:nvSpPr>
-        <p:spPr/>
-        <p:txBody>
-          <a:bodyPr/>
-          <a:lstStyle/>
-          <a:p>
-            <a:endParaRPr lang="en-US"/>
-          </a:p>
-        </p:txBody>
-      </p:sp>
     </p:spTree>
     <p:extLst>
       <p:ext uri="{BB962C8B-B14F-4D97-AF65-F5344CB8AC3E}">
-        <p14:creationId xmlns:p14="http://schemas.microsoft.com/office/powerpoint/2010/main" val="2501551263"/>
+        <p14:creationId xmlns:p14="http://schemas.microsoft.com/office/powerpoint/2010/main" val="2434816694"/>
       </p:ext>
     </p:extLst>
   </p:cSld>
@@ -10235,7 +11446,7 @@
     </p:spTree>
     <p:extLst>
       <p:ext uri="{BB962C8B-B14F-4D97-AF65-F5344CB8AC3E}">
-        <p14:creationId xmlns:p14="http://schemas.microsoft.com/office/powerpoint/2010/main" val="136773132"/>
+        <p14:creationId xmlns:p14="http://schemas.microsoft.com/office/powerpoint/2010/main" val="1449480084"/>
       </p:ext>
     </p:extLst>
   </p:cSld>
@@ -10418,7 +11629,7 @@
     </p:spTree>
     <p:extLst>
       <p:ext uri="{BB962C8B-B14F-4D97-AF65-F5344CB8AC3E}">
-        <p14:creationId xmlns:p14="http://schemas.microsoft.com/office/powerpoint/2010/main" val="945392660"/>
+        <p14:creationId xmlns:p14="http://schemas.microsoft.com/office/powerpoint/2010/main" val="949199943"/>
       </p:ext>
     </p:extLst>
   </p:cSld>
@@ -10643,7 +11854,7 @@
     </p:spTree>
     <p:extLst>
       <p:ext uri="{BB962C8B-B14F-4D97-AF65-F5344CB8AC3E}">
-        <p14:creationId xmlns:p14="http://schemas.microsoft.com/office/powerpoint/2010/main" val="2686471640"/>
+        <p14:creationId xmlns:p14="http://schemas.microsoft.com/office/powerpoint/2010/main" val="794170821"/>
       </p:ext>
     </p:extLst>
   </p:cSld>
@@ -10890,7 +12101,7 @@
     </p:spTree>
     <p:extLst>
       <p:ext uri="{BB962C8B-B14F-4D97-AF65-F5344CB8AC3E}">
-        <p14:creationId xmlns:p14="http://schemas.microsoft.com/office/powerpoint/2010/main" val="229227538"/>
+        <p14:creationId xmlns:p14="http://schemas.microsoft.com/office/powerpoint/2010/main" val="295659591"/>
       </p:ext>
     </p:extLst>
   </p:cSld>
@@ -11085,7 +12296,7 @@
     </p:spTree>
     <p:extLst>
       <p:ext uri="{BB962C8B-B14F-4D97-AF65-F5344CB8AC3E}">
-        <p14:creationId xmlns:p14="http://schemas.microsoft.com/office/powerpoint/2010/main" val="2600555782"/>
+        <p14:creationId xmlns:p14="http://schemas.microsoft.com/office/powerpoint/2010/main" val="4232182991"/>
       </p:ext>
     </p:extLst>
   </p:cSld>
@@ -12063,21 +13274,6 @@
 </file>
 
 <file path=customXml/item1.xml><?xml version="1.0" encoding="utf-8"?>
-<p:properties xmlns:p="http://schemas.microsoft.com/office/2006/metadata/properties" xmlns:xsi="http://www.w3.org/2001/XMLSchema-instance">
-  <documentManagement/>
-</p:properties>
-</file>
-
-<file path=customXml/item2.xml><?xml version="1.0" encoding="utf-8"?>
-<?mso-contentType ?>
-<FormTemplates xmlns="http://schemas.microsoft.com/sharepoint/v3/contenttype/forms">
-  <Display>DocumentLibraryForm</Display>
-  <Edit>DocumentLibraryForm</Edit>
-  <New>DocumentLibraryForm</New>
-</FormTemplates>
-</file>
-
-<file path=customXml/item3.xml><?xml version="1.0" encoding="utf-8"?>
 <ct:contentTypeSchema xmlns:ct="http://schemas.microsoft.com/office/2006/metadata/contentType" xmlns:ma="http://schemas.microsoft.com/office/2006/metadata/properties/metaAttributes" ct:_="" ma:_="" ma:contentTypeName="Unknown Document Type" ma:contentTypeID="0x010104" ma:contentTypeVersion="0" ma:contentTypeDescription="" ma:contentTypeScope="" ma:versionID="279c20c3caf3300dae6b438536eb8c56">
   <xsd:schema xmlns:xsd="http://www.w3.org/2001/XMLSchema" xmlns:p="http://schemas.microsoft.com/office/2006/metadata/properties" targetNamespace="http://schemas.microsoft.com/office/2006/metadata/properties" ma:root="true" ma:fieldsID="0d2e1ca116041f9e11471c52c4c9d602">
     <xsd:element name="properties">
@@ -12126,10 +13322,32 @@
 </ct:contentTypeSchema>
 </file>
 
+<file path=customXml/item2.xml><?xml version="1.0" encoding="utf-8"?>
+<?mso-contentType ?>
+<FormTemplates xmlns="http://schemas.microsoft.com/sharepoint/v3/contenttype/forms">
+  <Display>DocumentLibraryForm</Display>
+  <Edit>DocumentLibraryForm</Edit>
+  <New>DocumentLibraryForm</New>
+</FormTemplates>
+</file>
+
+<file path=customXml/item3.xml><?xml version="1.0" encoding="utf-8"?>
+<p:properties xmlns:p="http://schemas.microsoft.com/office/2006/metadata/properties" xmlns:xsi="http://www.w3.org/2001/XMLSchema-instance">
+  <documentManagement/>
+</p:properties>
+</file>
+
 <file path=customXml/itemProps1.xml><?xml version="1.0" encoding="utf-8"?>
-<ds:datastoreItem xmlns:ds="http://schemas.openxmlformats.org/officeDocument/2006/customXml" ds:itemID="{72652EEC-459D-4E7D-9D11-21DA32473B5C}">
+<ds:datastoreItem xmlns:ds="http://schemas.openxmlformats.org/officeDocument/2006/customXml" ds:itemID="{6CCFC151-5C72-49BD-98FB-AAE14A78F2BF}">
   <ds:schemaRefs>
+    <ds:schemaRef ds:uri="http://schemas.microsoft.com/office/2006/metadata/contentType"/>
+    <ds:schemaRef ds:uri="http://schemas.microsoft.com/office/2006/metadata/properties/metaAttributes"/>
+    <ds:schemaRef ds:uri="http://www.w3.org/2001/XMLSchema"/>
     <ds:schemaRef ds:uri="http://schemas.microsoft.com/office/2006/metadata/properties"/>
+    <ds:schemaRef ds:uri="http://schemas.openxmlformats.org/package/2006/metadata/core-properties"/>
+    <ds:schemaRef ds:uri="http://purl.org/dc/elements/1.1/"/>
+    <ds:schemaRef ds:uri="http://purl.org/dc/terms/"/>
+    <ds:schemaRef ds:uri="http://schemas.microsoft.com/office/internal/2005/internalDocumentation"/>
   </ds:schemaRefs>
 </ds:datastoreItem>
 </file>
@@ -12143,16 +13361,9 @@
 </file>
 
 <file path=customXml/itemProps3.xml><?xml version="1.0" encoding="utf-8"?>
-<ds:datastoreItem xmlns:ds="http://schemas.openxmlformats.org/officeDocument/2006/customXml" ds:itemID="{6CCFC151-5C72-49BD-98FB-AAE14A78F2BF}">
+<ds:datastoreItem xmlns:ds="http://schemas.openxmlformats.org/officeDocument/2006/customXml" ds:itemID="{72652EEC-459D-4E7D-9D11-21DA32473B5C}">
   <ds:schemaRefs>
-    <ds:schemaRef ds:uri="http://schemas.microsoft.com/office/2006/metadata/contentType"/>
-    <ds:schemaRef ds:uri="http://schemas.microsoft.com/office/2006/metadata/properties/metaAttributes"/>
-    <ds:schemaRef ds:uri="http://www.w3.org/2001/XMLSchema"/>
     <ds:schemaRef ds:uri="http://schemas.microsoft.com/office/2006/metadata/properties"/>
-    <ds:schemaRef ds:uri="http://schemas.openxmlformats.org/package/2006/metadata/core-properties"/>
-    <ds:schemaRef ds:uri="http://purl.org/dc/elements/1.1/"/>
-    <ds:schemaRef ds:uri="http://purl.org/dc/terms/"/>
-    <ds:schemaRef ds:uri="http://schemas.microsoft.com/office/internal/2005/internalDocumentation"/>
   </ds:schemaRefs>
 </ds:datastoreItem>
 </file>